--- a/2021-12/Top 10 Tips for Optimizing WSUS/VSMUG-2021-12-WSUS-Top-10-Tips.pptx
+++ b/2021-12/Top 10 Tips for Optimizing WSUS/VSMUG-2021-12-WSUS-Top-10-Tips.pptx
@@ -16,23 +16,23 @@
     <p:sldId id="256" r:id="rId10"/>
     <p:sldId id="280" r:id="rId11"/>
     <p:sldId id="300" r:id="rId12"/>
-    <p:sldId id="301" r:id="rId13"/>
-    <p:sldId id="258" r:id="rId14"/>
-    <p:sldId id="289" r:id="rId15"/>
-    <p:sldId id="284" r:id="rId16"/>
-    <p:sldId id="282" r:id="rId17"/>
-    <p:sldId id="290" r:id="rId18"/>
-    <p:sldId id="285" r:id="rId19"/>
-    <p:sldId id="291" r:id="rId20"/>
-    <p:sldId id="281" r:id="rId21"/>
-    <p:sldId id="293" r:id="rId22"/>
-    <p:sldId id="292" r:id="rId23"/>
-    <p:sldId id="283" r:id="rId24"/>
-    <p:sldId id="302" r:id="rId25"/>
-    <p:sldId id="299" r:id="rId26"/>
-    <p:sldId id="286" r:id="rId27"/>
-    <p:sldId id="294" r:id="rId28"/>
-    <p:sldId id="298" r:id="rId29"/>
+    <p:sldId id="258" r:id="rId13"/>
+    <p:sldId id="289" r:id="rId14"/>
+    <p:sldId id="284" r:id="rId15"/>
+    <p:sldId id="282" r:id="rId16"/>
+    <p:sldId id="290" r:id="rId17"/>
+    <p:sldId id="285" r:id="rId18"/>
+    <p:sldId id="291" r:id="rId19"/>
+    <p:sldId id="281" r:id="rId20"/>
+    <p:sldId id="293" r:id="rId21"/>
+    <p:sldId id="292" r:id="rId22"/>
+    <p:sldId id="283" r:id="rId23"/>
+    <p:sldId id="302" r:id="rId24"/>
+    <p:sldId id="299" r:id="rId25"/>
+    <p:sldId id="286" r:id="rId26"/>
+    <p:sldId id="294" r:id="rId27"/>
+    <p:sldId id="298" r:id="rId28"/>
+    <p:sldId id="303" r:id="rId29"/>
     <p:sldId id="259" r:id="rId30"/>
     <p:sldId id="260" r:id="rId31"/>
     <p:sldId id="278" r:id="rId32"/>
@@ -170,7 +170,6 @@
         <p14:section name="Presentation" id="{866A3E68-017F-4F94-A6C6-BFF303BC3121}">
           <p14:sldIdLst>
             <p14:sldId id="300"/>
-            <p14:sldId id="301"/>
             <p14:sldId id="258"/>
             <p14:sldId id="289"/>
             <p14:sldId id="284"/>
@@ -187,6 +186,7 @@
             <p14:sldId id="286"/>
             <p14:sldId id="294"/>
             <p14:sldId id="298"/>
+            <p14:sldId id="303"/>
           </p14:sldIdLst>
         </p14:section>
         <p14:section name="Closing" id="{49CB15AC-FD56-4AAC-8B8A-68CF2CB85A39}">
@@ -234,7 +234,7 @@
 <file path=ppt/revisionInfo.xml><?xml version="1.0" encoding="utf-8"?>
 <p1510:revInfo xmlns:a="http://schemas.openxmlformats.org/drawingml/2006/main" xmlns:r="http://schemas.openxmlformats.org/officeDocument/2006/relationships" xmlns:p1510="http://schemas.microsoft.com/office/powerpoint/2015/10/main">
   <p1510:revLst>
-    <p1510:client id="{425755D4-494D-4D9C-B26C-888940CAFB45}" v="1047" dt="2021-12-14T15:53:45.420"/>
+    <p1510:client id="{425755D4-494D-4D9C-B26C-888940CAFB45}" v="1158" dt="2021-12-14T19:16:43.326"/>
     <p1510:client id="{CBA342DE-163E-4877-B7BB-3C3DE6FEAA54}" v="2850" dt="2021-12-14T15:37:29.438"/>
   </p1510:revLst>
 </p1510:revInfo>
@@ -2099,8 +2099,8 @@
   </pc:docChgLst>
   <pc:docChgLst>
     <pc:chgData name="Justin Chalfant" userId="50ec0e3f-3c8c-40d6-b729-b52deacaac3c" providerId="ADAL" clId="{425755D4-494D-4D9C-B26C-888940CAFB45}"/>
-    <pc:docChg chg="undo custSel addSld modSld sldOrd addSection modSection">
-      <pc:chgData name="Justin Chalfant" userId="50ec0e3f-3c8c-40d6-b729-b52deacaac3c" providerId="ADAL" clId="{425755D4-494D-4D9C-B26C-888940CAFB45}" dt="2021-12-14T15:53:45.420" v="1046" actId="1076"/>
+    <pc:docChg chg="undo custSel addSld delSld modSld sldOrd addSection modSection">
+      <pc:chgData name="Justin Chalfant" userId="50ec0e3f-3c8c-40d6-b729-b52deacaac3c" providerId="ADAL" clId="{425755D4-494D-4D9C-B26C-888940CAFB45}" dt="2021-12-14T19:16:43.326" v="1157" actId="47"/>
       <pc:docMkLst>
         <pc:docMk/>
       </pc:docMkLst>
@@ -2356,12 +2356,20 @@
           </ac:spMkLst>
         </pc:spChg>
       </pc:sldChg>
-      <pc:sldChg chg="addSp delSp modSp add mod modAnim">
-        <pc:chgData name="Justin Chalfant" userId="50ec0e3f-3c8c-40d6-b729-b52deacaac3c" providerId="ADAL" clId="{425755D4-494D-4D9C-B26C-888940CAFB45}" dt="2021-12-14T15:43:02.440" v="850" actId="14100"/>
+      <pc:sldChg chg="addSp delSp modSp add del mod delAnim modAnim">
+        <pc:chgData name="Justin Chalfant" userId="50ec0e3f-3c8c-40d6-b729-b52deacaac3c" providerId="ADAL" clId="{425755D4-494D-4D9C-B26C-888940CAFB45}" dt="2021-12-14T19:16:43.326" v="1157" actId="47"/>
         <pc:sldMkLst>
           <pc:docMk/>
           <pc:sldMk cId="2734684772" sldId="301"/>
         </pc:sldMkLst>
+        <pc:spChg chg="add mod">
+          <ac:chgData name="Justin Chalfant" userId="50ec0e3f-3c8c-40d6-b729-b52deacaac3c" providerId="ADAL" clId="{425755D4-494D-4D9C-B26C-888940CAFB45}" dt="2021-12-14T19:16:35.863" v="1154" actId="478"/>
+          <ac:spMkLst>
+            <pc:docMk/>
+            <pc:sldMk cId="2734684772" sldId="301"/>
+            <ac:spMk id="9" creationId="{F99AD885-F711-4FCE-85FB-7317A48C7F33}"/>
+          </ac:spMkLst>
+        </pc:spChg>
         <pc:spChg chg="mod">
           <ac:chgData name="Justin Chalfant" userId="50ec0e3f-3c8c-40d6-b729-b52deacaac3c" providerId="ADAL" clId="{425755D4-494D-4D9C-B26C-888940CAFB45}" dt="2021-12-14T15:40:17.820" v="835" actId="20577"/>
           <ac:spMkLst>
@@ -2378,8 +2386,8 @@
             <ac:spMk id="13" creationId="{00000000-0000-0000-0000-000000000000}"/>
           </ac:spMkLst>
         </pc:spChg>
-        <pc:picChg chg="add mod ord">
-          <ac:chgData name="Justin Chalfant" userId="50ec0e3f-3c8c-40d6-b729-b52deacaac3c" providerId="ADAL" clId="{425755D4-494D-4D9C-B26C-888940CAFB45}" dt="2021-12-14T15:40:44.494" v="839" actId="22"/>
+        <pc:picChg chg="add del mod ord">
+          <ac:chgData name="Justin Chalfant" userId="50ec0e3f-3c8c-40d6-b729-b52deacaac3c" providerId="ADAL" clId="{425755D4-494D-4D9C-B26C-888940CAFB45}" dt="2021-12-14T19:16:35.863" v="1154" actId="478"/>
           <ac:picMkLst>
             <pc:docMk/>
             <pc:sldMk cId="2734684772" sldId="301"/>
@@ -2387,7 +2395,7 @@
           </ac:picMkLst>
         </pc:picChg>
         <pc:picChg chg="add mod">
-          <ac:chgData name="Justin Chalfant" userId="50ec0e3f-3c8c-40d6-b729-b52deacaac3c" providerId="ADAL" clId="{425755D4-494D-4D9C-B26C-888940CAFB45}" dt="2021-12-14T15:42:59.087" v="849" actId="14100"/>
+          <ac:chgData name="Justin Chalfant" userId="50ec0e3f-3c8c-40d6-b729-b52deacaac3c" providerId="ADAL" clId="{425755D4-494D-4D9C-B26C-888940CAFB45}" dt="2021-12-14T19:16:39.890" v="1155" actId="1076"/>
           <ac:picMkLst>
             <pc:docMk/>
             <pc:sldMk cId="2734684772" sldId="301"/>
@@ -2395,7 +2403,7 @@
           </ac:picMkLst>
         </pc:picChg>
         <pc:picChg chg="add mod">
-          <ac:chgData name="Justin Chalfant" userId="50ec0e3f-3c8c-40d6-b729-b52deacaac3c" providerId="ADAL" clId="{425755D4-494D-4D9C-B26C-888940CAFB45}" dt="2021-12-14T15:43:02.440" v="850" actId="14100"/>
+          <ac:chgData name="Justin Chalfant" userId="50ec0e3f-3c8c-40d6-b729-b52deacaac3c" providerId="ADAL" clId="{425755D4-494D-4D9C-B26C-888940CAFB45}" dt="2021-12-14T19:16:40.933" v="1156" actId="1076"/>
           <ac:picMkLst>
             <pc:docMk/>
             <pc:sldMk cId="2734684772" sldId="301"/>
@@ -2479,6 +2487,108 @@
             <pc:docMk/>
             <pc:sldMk cId="1137211280" sldId="302"/>
             <ac:picMk id="12" creationId="{D7CE7C14-8C92-436B-91D4-A29014E62D76}"/>
+          </ac:picMkLst>
+        </pc:picChg>
+      </pc:sldChg>
+      <pc:sldChg chg="addSp delSp modSp add mod">
+        <pc:chgData name="Justin Chalfant" userId="50ec0e3f-3c8c-40d6-b729-b52deacaac3c" providerId="ADAL" clId="{425755D4-494D-4D9C-B26C-888940CAFB45}" dt="2021-12-14T17:28:51.105" v="1151" actId="14100"/>
+        <pc:sldMkLst>
+          <pc:docMk/>
+          <pc:sldMk cId="3884308066" sldId="303"/>
+        </pc:sldMkLst>
+        <pc:spChg chg="mod">
+          <ac:chgData name="Justin Chalfant" userId="50ec0e3f-3c8c-40d6-b729-b52deacaac3c" providerId="ADAL" clId="{425755D4-494D-4D9C-B26C-888940CAFB45}" dt="2021-12-14T17:20:07.015" v="1067" actId="20577"/>
+          <ac:spMkLst>
+            <pc:docMk/>
+            <pc:sldMk cId="3884308066" sldId="303"/>
+            <ac:spMk id="2" creationId="{760EC4CA-25E6-411C-8987-69AA8B8D5AE1}"/>
+          </ac:spMkLst>
+        </pc:spChg>
+        <pc:spChg chg="mod">
+          <ac:chgData name="Justin Chalfant" userId="50ec0e3f-3c8c-40d6-b729-b52deacaac3c" providerId="ADAL" clId="{425755D4-494D-4D9C-B26C-888940CAFB45}" dt="2021-12-14T17:28:35.623" v="1146" actId="20577"/>
+          <ac:spMkLst>
+            <pc:docMk/>
+            <pc:sldMk cId="3884308066" sldId="303"/>
+            <ac:spMk id="3" creationId="{155932A7-C8C3-412E-A9B3-24FAD2B3B1BA}"/>
+          </ac:spMkLst>
+        </pc:spChg>
+        <pc:spChg chg="add mod">
+          <ac:chgData name="Justin Chalfant" userId="50ec0e3f-3c8c-40d6-b729-b52deacaac3c" providerId="ADAL" clId="{425755D4-494D-4D9C-B26C-888940CAFB45}" dt="2021-12-14T17:23:56.984" v="1142" actId="1076"/>
+          <ac:spMkLst>
+            <pc:docMk/>
+            <pc:sldMk cId="3884308066" sldId="303"/>
+            <ac:spMk id="6" creationId="{27562E58-BF22-4691-A734-9441D12DB456}"/>
+          </ac:spMkLst>
+        </pc:spChg>
+        <pc:spChg chg="add mod">
+          <ac:chgData name="Justin Chalfant" userId="50ec0e3f-3c8c-40d6-b729-b52deacaac3c" providerId="ADAL" clId="{425755D4-494D-4D9C-B26C-888940CAFB45}" dt="2021-12-14T17:22:42.426" v="1140" actId="1076"/>
+          <ac:spMkLst>
+            <pc:docMk/>
+            <pc:sldMk cId="3884308066" sldId="303"/>
+            <ac:spMk id="10" creationId="{CBA0A6D3-ACCE-4DDD-B7CB-0AA43529DA1A}"/>
+          </ac:spMkLst>
+        </pc:spChg>
+        <pc:picChg chg="del">
+          <ac:chgData name="Justin Chalfant" userId="50ec0e3f-3c8c-40d6-b729-b52deacaac3c" providerId="ADAL" clId="{425755D4-494D-4D9C-B26C-888940CAFB45}" dt="2021-12-14T17:20:11.004" v="1068" actId="478"/>
+          <ac:picMkLst>
+            <pc:docMk/>
+            <pc:sldMk cId="3884308066" sldId="303"/>
+            <ac:picMk id="4" creationId="{3F577F28-63F5-4192-8754-E8BCE96603AB}"/>
+          </ac:picMkLst>
+        </pc:picChg>
+        <pc:picChg chg="add del mod">
+          <ac:chgData name="Justin Chalfant" userId="50ec0e3f-3c8c-40d6-b729-b52deacaac3c" providerId="ADAL" clId="{425755D4-494D-4D9C-B26C-888940CAFB45}" dt="2021-12-14T17:21:04.420" v="1126" actId="478"/>
+          <ac:picMkLst>
+            <pc:docMk/>
+            <pc:sldMk cId="3884308066" sldId="303"/>
+            <ac:picMk id="7" creationId="{67EDFB25-9383-4A49-B114-12663A32A6C6}"/>
+          </ac:picMkLst>
+        </pc:picChg>
+        <pc:picChg chg="mod">
+          <ac:chgData name="Justin Chalfant" userId="50ec0e3f-3c8c-40d6-b729-b52deacaac3c" providerId="ADAL" clId="{425755D4-494D-4D9C-B26C-888940CAFB45}" dt="2021-12-14T17:21:57.657" v="1130" actId="14100"/>
+          <ac:picMkLst>
+            <pc:docMk/>
+            <pc:sldMk cId="3884308066" sldId="303"/>
+            <ac:picMk id="8" creationId="{2D34B8D1-7279-40A6-AB08-4A4C593BC966}"/>
+          </ac:picMkLst>
+        </pc:picChg>
+        <pc:picChg chg="add mod">
+          <ac:chgData name="Justin Chalfant" userId="50ec0e3f-3c8c-40d6-b729-b52deacaac3c" providerId="ADAL" clId="{425755D4-494D-4D9C-B26C-888940CAFB45}" dt="2021-12-14T17:28:51.105" v="1151" actId="14100"/>
+          <ac:picMkLst>
+            <pc:docMk/>
+            <pc:sldMk cId="3884308066" sldId="303"/>
+            <ac:picMk id="9" creationId="{8415F69F-39EF-48D4-B91B-4C8A42F25A50}"/>
+          </ac:picMkLst>
+        </pc:picChg>
+        <pc:picChg chg="add mod">
+          <ac:chgData name="Justin Chalfant" userId="50ec0e3f-3c8c-40d6-b729-b52deacaac3c" providerId="ADAL" clId="{425755D4-494D-4D9C-B26C-888940CAFB45}" dt="2021-12-14T17:28:44.145" v="1149" actId="14100"/>
+          <ac:picMkLst>
+            <pc:docMk/>
+            <pc:sldMk cId="3884308066" sldId="303"/>
+            <ac:picMk id="11" creationId="{A5FCA680-9F6F-42D3-99C6-2E92317DC842}"/>
+          </ac:picMkLst>
+        </pc:picChg>
+      </pc:sldChg>
+      <pc:sldChg chg="modSp add del mod">
+        <pc:chgData name="Justin Chalfant" userId="50ec0e3f-3c8c-40d6-b729-b52deacaac3c" providerId="ADAL" clId="{425755D4-494D-4D9C-B26C-888940CAFB45}" dt="2021-12-14T17:22:50.177" v="1141" actId="47"/>
+        <pc:sldMkLst>
+          <pc:docMk/>
+          <pc:sldMk cId="643002990" sldId="304"/>
+        </pc:sldMkLst>
+        <pc:spChg chg="mod">
+          <ac:chgData name="Justin Chalfant" userId="50ec0e3f-3c8c-40d6-b729-b52deacaac3c" providerId="ADAL" clId="{425755D4-494D-4D9C-B26C-888940CAFB45}" dt="2021-12-14T17:22:30.056" v="1137" actId="20577"/>
+          <ac:spMkLst>
+            <pc:docMk/>
+            <pc:sldMk cId="643002990" sldId="304"/>
+            <ac:spMk id="3" creationId="{155932A7-C8C3-412E-A9B3-24FAD2B3B1BA}"/>
+          </ac:spMkLst>
+        </pc:spChg>
+        <pc:picChg chg="mod">
+          <ac:chgData name="Justin Chalfant" userId="50ec0e3f-3c8c-40d6-b729-b52deacaac3c" providerId="ADAL" clId="{425755D4-494D-4D9C-B26C-888940CAFB45}" dt="2021-12-14T17:22:31.850" v="1138" actId="1076"/>
+          <ac:picMkLst>
+            <pc:docMk/>
+            <pc:sldMk cId="643002990" sldId="304"/>
+            <ac:picMk id="8" creationId="{8857D4F0-FBDA-433F-9AE6-AFC21B3A4A58}"/>
           </ac:picMkLst>
         </pc:picChg>
       </pc:sldChg>
@@ -2967,7 +3077,51 @@
           <a:bodyPr/>
           <a:lstStyle/>
           <a:p>
-            <a:endParaRPr lang="en-US" dirty="0"/>
+            <a:r>
+              <a:rPr lang="en-US"/>
+              <a:t>		show stored procedure for exec </a:t>
+            </a:r>
+            <a:r>
+              <a:rPr lang="en-US" err="1"/>
+              <a:t>spGetAllUpdates</a:t>
+            </a:r>
+            <a:endParaRPr lang="en-US"/>
+          </a:p>
+          <a:p>
+            <a:r>
+              <a:rPr lang="en-US"/>
+              <a:t>			joins on </a:t>
+            </a:r>
+            <a:r>
+              <a:rPr lang="en-US" err="1"/>
+              <a:t>vwMinimalUpdate</a:t>
+            </a:r>
+            <a:r>
+              <a:rPr lang="en-US"/>
+              <a:t> which references revision tables which lack indexes</a:t>
+            </a:r>
+          </a:p>
+          <a:p>
+            <a:r>
+              <a:rPr lang="en-US"/>
+              <a:t>				the index itself.... CREATE NONCLUSTERED INDEX [</a:t>
+            </a:r>
+            <a:r>
+              <a:rPr lang="en-US" err="1"/>
+              <a:t>nclSupercededUpdateID</a:t>
+            </a:r>
+            <a:r>
+              <a:rPr lang="en-US"/>
+              <a:t>] ON [dbo].[</a:t>
+            </a:r>
+            <a:r>
+              <a:rPr lang="en-US" err="1"/>
+              <a:t>tbRevisionSupersedesUpdate</a:t>
+            </a:r>
+            <a:r>
+              <a:rPr lang="en-US"/>
+              <a:t>]</a:t>
+            </a:r>
           </a:p>
         </p:txBody>
       </p:sp>
@@ -2997,7 +3151,7 @@
     </p:spTree>
     <p:extLst>
       <p:ext uri="{BB962C8B-B14F-4D97-AF65-F5344CB8AC3E}">
-        <p14:creationId xmlns:p14="http://schemas.microsoft.com/office/powerpoint/2010/main" val="148751680"/>
+        <p14:creationId xmlns:p14="http://schemas.microsoft.com/office/powerpoint/2010/main" val="365724790"/>
       </p:ext>
     </p:extLst>
   </p:cSld>
@@ -3053,48 +3207,7 @@
           <a:p>
             <a:r>
               <a:rPr lang="en-US"/>
-              <a:t>		show stored procedure for exec </a:t>
-            </a:r>
-            <a:r>
-              <a:rPr lang="en-US" err="1"/>
-              <a:t>spGetAllUpdates</a:t>
-            </a:r>
-            <a:endParaRPr lang="en-US"/>
-          </a:p>
-          <a:p>
-            <a:r>
-              <a:rPr lang="en-US"/>
-              <a:t>			joins on </a:t>
-            </a:r>
-            <a:r>
-              <a:rPr lang="en-US" err="1"/>
-              <a:t>vwMinimalUpdate</a:t>
-            </a:r>
-            <a:r>
-              <a:rPr lang="en-US"/>
-              <a:t> which references revision tables which lack indexes</a:t>
-            </a:r>
-          </a:p>
-          <a:p>
-            <a:r>
-              <a:rPr lang="en-US"/>
-              <a:t>				the index itself.... CREATE NONCLUSTERED INDEX [</a:t>
-            </a:r>
-            <a:r>
-              <a:rPr lang="en-US" err="1"/>
-              <a:t>nclSupercededUpdateID</a:t>
-            </a:r>
-            <a:r>
-              <a:rPr lang="en-US"/>
-              <a:t>] ON [dbo].[</a:t>
-            </a:r>
-            <a:r>
-              <a:rPr lang="en-US" err="1"/>
-              <a:t>tbRevisionSupersedesUpdate</a:t>
-            </a:r>
-            <a:r>
-              <a:rPr lang="en-US"/>
-              <a:t>]</a:t>
+              <a:t>Decline unused ‘large’ updates - https://tcsmug.org/blogs/jeff-carreon/513-what-s-sup</a:t>
             </a:r>
           </a:p>
         </p:txBody>
@@ -3116,7 +3229,7 @@
           <a:p>
             <a:fld id="{C7B05CAA-7DFD-4456-A943-C499583EE113}" type="slidenum">
               <a:rPr lang="en-US" smtClean="0"/>
-              <a:t>14</a:t>
+              <a:t>16</a:t>
             </a:fld>
             <a:endParaRPr lang="en-US"/>
           </a:p>
@@ -3125,7 +3238,7 @@
     </p:spTree>
     <p:extLst>
       <p:ext uri="{BB962C8B-B14F-4D97-AF65-F5344CB8AC3E}">
-        <p14:creationId xmlns:p14="http://schemas.microsoft.com/office/powerpoint/2010/main" val="365724790"/>
+        <p14:creationId xmlns:p14="http://schemas.microsoft.com/office/powerpoint/2010/main" val="156020872"/>
       </p:ext>
     </p:extLst>
   </p:cSld>
@@ -3212,7 +3325,7 @@
     </p:spTree>
     <p:extLst>
       <p:ext uri="{BB962C8B-B14F-4D97-AF65-F5344CB8AC3E}">
-        <p14:creationId xmlns:p14="http://schemas.microsoft.com/office/powerpoint/2010/main" val="156020872"/>
+        <p14:creationId xmlns:p14="http://schemas.microsoft.com/office/powerpoint/2010/main" val="1158904043"/>
       </p:ext>
     </p:extLst>
   </p:cSld>
@@ -3290,7 +3403,7 @@
           <a:p>
             <a:fld id="{C7B05CAA-7DFD-4456-A943-C499583EE113}" type="slidenum">
               <a:rPr lang="en-US" smtClean="0"/>
-              <a:t>18</a:t>
+              <a:t>19</a:t>
             </a:fld>
             <a:endParaRPr lang="en-US"/>
           </a:p>
@@ -3299,7 +3412,7 @@
     </p:spTree>
     <p:extLst>
       <p:ext uri="{BB962C8B-B14F-4D97-AF65-F5344CB8AC3E}">
-        <p14:creationId xmlns:p14="http://schemas.microsoft.com/office/powerpoint/2010/main" val="1158904043"/>
+        <p14:creationId xmlns:p14="http://schemas.microsoft.com/office/powerpoint/2010/main" val="4010875303"/>
       </p:ext>
     </p:extLst>
   </p:cSld>
@@ -3386,7 +3499,7 @@
     </p:spTree>
     <p:extLst>
       <p:ext uri="{BB962C8B-B14F-4D97-AF65-F5344CB8AC3E}">
-        <p14:creationId xmlns:p14="http://schemas.microsoft.com/office/powerpoint/2010/main" val="4010875303"/>
+        <p14:creationId xmlns:p14="http://schemas.microsoft.com/office/powerpoint/2010/main" val="576033702"/>
       </p:ext>
     </p:extLst>
   </p:cSld>
@@ -3441,8 +3554,8 @@
           <a:lstStyle/>
           <a:p>
             <a:r>
-              <a:rPr lang="en-US"/>
-              <a:t>Decline unused ‘large’ updates - https://tcsmug.org/blogs/jeff-carreon/513-what-s-sup</a:t>
+              <a:rPr lang="en-US" dirty="0"/>
+              <a:t>Please vote on the cadence</a:t>
             </a:r>
           </a:p>
         </p:txBody>
@@ -3464,7 +3577,7 @@
           <a:p>
             <a:fld id="{C7B05CAA-7DFD-4456-A943-C499583EE113}" type="slidenum">
               <a:rPr lang="en-US" smtClean="0"/>
-              <a:t>21</a:t>
+              <a:t>25</a:t>
             </a:fld>
             <a:endParaRPr lang="en-US"/>
           </a:p>
@@ -3473,7 +3586,7 @@
     </p:spTree>
     <p:extLst>
       <p:ext uri="{BB962C8B-B14F-4D97-AF65-F5344CB8AC3E}">
-        <p14:creationId xmlns:p14="http://schemas.microsoft.com/office/powerpoint/2010/main" val="576033702"/>
+        <p14:creationId xmlns:p14="http://schemas.microsoft.com/office/powerpoint/2010/main" val="4247602722"/>
       </p:ext>
     </p:extLst>
   </p:cSld>
@@ -3963,7 +4076,7 @@
           <a:lstStyle/>
           <a:p>
             <a:r>
-              <a:rPr lang="en-US"/>
+              <a:rPr lang="en-US" dirty="0"/>
               <a:t>How to adjust- https://docs.microsoft.com/en-us/sql/database-engine/configure-windows/server-memory-server-configuration-options?view=sql-server-ver15 </a:t>
             </a:r>
           </a:p>
@@ -3995,7 +4108,7 @@
     </p:spTree>
     <p:extLst>
       <p:ext uri="{BB962C8B-B14F-4D97-AF65-F5344CB8AC3E}">
-        <p14:creationId xmlns:p14="http://schemas.microsoft.com/office/powerpoint/2010/main" val="3760735424"/>
+        <p14:creationId xmlns:p14="http://schemas.microsoft.com/office/powerpoint/2010/main" val="2357531401"/>
       </p:ext>
     </p:extLst>
   </p:cSld>
@@ -4050,8 +4163,8 @@
           <a:lstStyle/>
           <a:p>
             <a:r>
-              <a:rPr lang="en-US" dirty="0"/>
-              <a:t>How to adjust- https://docs.microsoft.com/en-us/sql/database-engine/configure-windows/server-memory-server-configuration-options?view=sql-server-ver15 </a:t>
+              <a:rPr lang="en-US"/>
+              <a:t>Create Indexes - https://docs.microsoft.com/en-us/troubleshoot/mem/configmgr/wsus-maintenance-guide#create-custom-indexes</a:t>
             </a:r>
           </a:p>
         </p:txBody>
@@ -4073,7 +4186,7 @@
           <a:p>
             <a:fld id="{C7B05CAA-7DFD-4456-A943-C499583EE113}" type="slidenum">
               <a:rPr lang="en-US" smtClean="0"/>
-              <a:t>10</a:t>
+              <a:t>11</a:t>
             </a:fld>
             <a:endParaRPr lang="en-US"/>
           </a:p>
@@ -4082,7 +4195,7 @@
     </p:spTree>
     <p:extLst>
       <p:ext uri="{BB962C8B-B14F-4D97-AF65-F5344CB8AC3E}">
-        <p14:creationId xmlns:p14="http://schemas.microsoft.com/office/powerpoint/2010/main" val="2357531401"/>
+        <p14:creationId xmlns:p14="http://schemas.microsoft.com/office/powerpoint/2010/main" val="4047438859"/>
       </p:ext>
     </p:extLst>
   </p:cSld>
@@ -4136,10 +4249,7 @@
           <a:bodyPr/>
           <a:lstStyle/>
           <a:p>
-            <a:r>
-              <a:rPr lang="en-US"/>
-              <a:t>Create Indexes - https://docs.microsoft.com/en-us/troubleshoot/mem/configmgr/wsus-maintenance-guide#create-custom-indexes</a:t>
-            </a:r>
+            <a:endParaRPr lang="en-US" dirty="0"/>
           </a:p>
         </p:txBody>
       </p:sp>
@@ -4169,7 +4279,7 @@
     </p:spTree>
     <p:extLst>
       <p:ext uri="{BB962C8B-B14F-4D97-AF65-F5344CB8AC3E}">
-        <p14:creationId xmlns:p14="http://schemas.microsoft.com/office/powerpoint/2010/main" val="4047438859"/>
+        <p14:creationId xmlns:p14="http://schemas.microsoft.com/office/powerpoint/2010/main" val="148751680"/>
       </p:ext>
     </p:extLst>
   </p:cSld>
@@ -8551,136 +8661,6 @@
       </p:grpSpPr>
       <p:sp>
         <p:nvSpPr>
-          <p:cNvPr id="12" name="Title 11"/>
-          <p:cNvSpPr>
-            <a:spLocks noGrp="1"/>
-          </p:cNvSpPr>
-          <p:nvPr>
-            <p:ph type="title"/>
-          </p:nvPr>
-        </p:nvSpPr>
-        <p:spPr>
-          <a:xfrm>
-            <a:off x="609600" y="228600"/>
-            <a:ext cx="10972800" cy="914400"/>
-          </a:xfrm>
-        </p:spPr>
-        <p:txBody>
-          <a:bodyPr/>
-          <a:lstStyle/>
-          <a:p>
-            <a:r>
-              <a:rPr lang="en-US" dirty="0"/>
-              <a:t>SQL Memory</a:t>
-            </a:r>
-          </a:p>
-        </p:txBody>
-      </p:sp>
-      <p:sp>
-        <p:nvSpPr>
-          <p:cNvPr id="13" name="Content Placeholder 12"/>
-          <p:cNvSpPr>
-            <a:spLocks noGrp="1"/>
-          </p:cNvSpPr>
-          <p:nvPr>
-            <p:ph idx="4294967295"/>
-          </p:nvPr>
-        </p:nvSpPr>
-        <p:spPr>
-          <a:xfrm>
-            <a:off x="609600" y="1788514"/>
-            <a:ext cx="9562689" cy="4269386"/>
-          </a:xfrm>
-          <a:prstGeom prst="rect">
-            <a:avLst/>
-          </a:prstGeom>
-        </p:spPr>
-        <p:txBody>
-          <a:bodyPr/>
-          <a:lstStyle/>
-          <a:p>
-            <a:r>
-              <a:rPr lang="en-US" dirty="0"/>
-              <a:t>WID defaults to ‘unlimited’ SQL memory</a:t>
-            </a:r>
-          </a:p>
-          <a:p>
-            <a:pPr lvl="1"/>
-            <a:r>
-              <a:rPr lang="en-US" dirty="0"/>
-              <a:t>Maybe not a big deal if this is a dedicated WSUS box</a:t>
-            </a:r>
-          </a:p>
-          <a:p>
-            <a:r>
-              <a:rPr lang="en-US" dirty="0"/>
-              <a:t>Shared SQL instance?</a:t>
-            </a:r>
-          </a:p>
-          <a:p>
-            <a:pPr lvl="1"/>
-            <a:r>
-              <a:rPr lang="en-US" dirty="0"/>
-              <a:t>If SUSDB and CM_&lt;</a:t>
-            </a:r>
-            <a:r>
-              <a:rPr lang="en-US" dirty="0" err="1"/>
-              <a:t>SiteCode</a:t>
-            </a:r>
-            <a:r>
-              <a:rPr lang="en-US" dirty="0"/>
-              <a:t>&gt; are on the same instance they are sharing a memory pool</a:t>
-            </a:r>
-          </a:p>
-          <a:p>
-            <a:r>
-              <a:rPr lang="en-US" dirty="0"/>
-              <a:t>Low memory allocation can cause timeouts when querying WSUS</a:t>
-            </a:r>
-          </a:p>
-          <a:p>
-            <a:r>
-              <a:rPr lang="en-US"/>
-              <a:t>We had to drop this to 1gb to make things break 😁</a:t>
-            </a:r>
-          </a:p>
-          <a:p>
-            <a:endParaRPr lang="en-US" dirty="0"/>
-          </a:p>
-        </p:txBody>
-      </p:sp>
-    </p:spTree>
-    <p:extLst>
-      <p:ext uri="{BB962C8B-B14F-4D97-AF65-F5344CB8AC3E}">
-        <p14:creationId xmlns:p14="http://schemas.microsoft.com/office/powerpoint/2010/main" val="2333710554"/>
-      </p:ext>
-    </p:extLst>
-  </p:cSld>
-  <p:clrMapOvr>
-    <a:masterClrMapping/>
-  </p:clrMapOvr>
-</p:sld>
-</file>
-
-<file path=ppt/slides/slide11.xml><?xml version="1.0" encoding="utf-8"?>
-<p:sld xmlns:a="http://schemas.openxmlformats.org/drawingml/2006/main" xmlns:r="http://schemas.openxmlformats.org/officeDocument/2006/relationships" xmlns:p="http://schemas.openxmlformats.org/presentationml/2006/main">
-  <p:cSld>
-    <p:spTree>
-      <p:nvGrpSpPr>
-        <p:cNvPr id="1" name=""/>
-        <p:cNvGrpSpPr/>
-        <p:nvPr/>
-      </p:nvGrpSpPr>
-      <p:grpSpPr>
-        <a:xfrm>
-          <a:off x="0" y="0"/>
-          <a:ext cx="0" cy="0"/>
-          <a:chOff x="0" y="0"/>
-          <a:chExt cx="0" cy="0"/>
-        </a:xfrm>
-      </p:grpSpPr>
-      <p:sp>
-        <p:nvSpPr>
           <p:cNvPr id="7" name="Text Placeholder 6"/>
           <p:cNvSpPr>
             <a:spLocks noGrp="1"/>
@@ -8722,7 +8702,7 @@
 </p:sld>
 </file>
 
-<file path=ppt/slides/slide12.xml><?xml version="1.0" encoding="utf-8"?>
+<file path=ppt/slides/slide11.xml><?xml version="1.0" encoding="utf-8"?>
 <p:sld xmlns:a="http://schemas.openxmlformats.org/drawingml/2006/main" xmlns:r="http://schemas.openxmlformats.org/officeDocument/2006/relationships" xmlns:p="http://schemas.openxmlformats.org/presentationml/2006/main">
   <p:cSld>
     <p:spTree>
@@ -9134,7 +9114,7 @@
 </p:sld>
 </file>
 
-<file path=ppt/slides/slide13.xml><?xml version="1.0" encoding="utf-8"?>
+<file path=ppt/slides/slide12.xml><?xml version="1.0" encoding="utf-8"?>
 <p:sld xmlns:a="http://schemas.openxmlformats.org/drawingml/2006/main" xmlns:r="http://schemas.openxmlformats.org/officeDocument/2006/relationships" xmlns:p="http://schemas.openxmlformats.org/presentationml/2006/main">
   <p:cSld>
     <p:spTree>
@@ -10077,7 +10057,7 @@
 </p:sld>
 </file>
 
-<file path=ppt/slides/slide14.xml><?xml version="1.0" encoding="utf-8"?>
+<file path=ppt/slides/slide13.xml><?xml version="1.0" encoding="utf-8"?>
 <p:sld xmlns:a="http://schemas.openxmlformats.org/drawingml/2006/main" xmlns:r="http://schemas.openxmlformats.org/officeDocument/2006/relationships" xmlns:p="http://schemas.openxmlformats.org/presentationml/2006/main">
   <p:cSld>
     <p:spTree>
@@ -10136,7 +10116,7 @@
 </p:sld>
 </file>
 
-<file path=ppt/slides/slide15.xml><?xml version="1.0" encoding="utf-8"?>
+<file path=ppt/slides/slide14.xml><?xml version="1.0" encoding="utf-8"?>
 <p:sld xmlns:a="http://schemas.openxmlformats.org/drawingml/2006/main" xmlns:r="http://schemas.openxmlformats.org/officeDocument/2006/relationships" xmlns:p="http://schemas.openxmlformats.org/presentationml/2006/main">
   <p:cSld>
     <p:spTree>
@@ -10277,7 +10257,7 @@
 </p:sld>
 </file>
 
-<file path=ppt/slides/slide16.xml><?xml version="1.0" encoding="utf-8"?>
+<file path=ppt/slides/slide15.xml><?xml version="1.0" encoding="utf-8"?>
 <p:sld xmlns:a="http://schemas.openxmlformats.org/drawingml/2006/main" xmlns:r="http://schemas.openxmlformats.org/officeDocument/2006/relationships" xmlns:p="http://schemas.openxmlformats.org/presentationml/2006/main">
   <p:cSld>
     <p:spTree>
@@ -10328,6 +10308,156 @@
     <p:extLst>
       <p:ext uri="{BB962C8B-B14F-4D97-AF65-F5344CB8AC3E}">
         <p14:creationId xmlns:p14="http://schemas.microsoft.com/office/powerpoint/2010/main" val="309409379"/>
+      </p:ext>
+    </p:extLst>
+  </p:cSld>
+  <p:clrMapOvr>
+    <a:masterClrMapping/>
+  </p:clrMapOvr>
+</p:sld>
+</file>
+
+<file path=ppt/slides/slide16.xml><?xml version="1.0" encoding="utf-8"?>
+<p:sld xmlns:a="http://schemas.openxmlformats.org/drawingml/2006/main" xmlns:r="http://schemas.openxmlformats.org/officeDocument/2006/relationships" xmlns:p="http://schemas.openxmlformats.org/presentationml/2006/main">
+  <p:cSld>
+    <p:spTree>
+      <p:nvGrpSpPr>
+        <p:cNvPr id="1" name=""/>
+        <p:cNvGrpSpPr/>
+        <p:nvPr/>
+      </p:nvGrpSpPr>
+      <p:grpSpPr>
+        <a:xfrm>
+          <a:off x="0" y="0"/>
+          <a:ext cx="0" cy="0"/>
+          <a:chOff x="0" y="0"/>
+          <a:chExt cx="0" cy="0"/>
+        </a:xfrm>
+      </p:grpSpPr>
+      <p:sp>
+        <p:nvSpPr>
+          <p:cNvPr id="2" name="Title 1"/>
+          <p:cNvSpPr>
+            <a:spLocks noGrp="1"/>
+          </p:cNvSpPr>
+          <p:nvPr>
+            <p:ph type="title"/>
+          </p:nvPr>
+        </p:nvSpPr>
+        <p:spPr>
+          <a:xfrm>
+            <a:off x="609600" y="228600"/>
+            <a:ext cx="10972800" cy="914400"/>
+          </a:xfrm>
+        </p:spPr>
+        <p:txBody>
+          <a:bodyPr/>
+          <a:lstStyle/>
+          <a:p>
+            <a:r>
+              <a:rPr lang="en-US"/>
+              <a:t>Decline unneeded updates</a:t>
+            </a:r>
+            <a:endParaRPr lang="en-US" dirty="0"/>
+          </a:p>
+        </p:txBody>
+      </p:sp>
+      <p:sp>
+        <p:nvSpPr>
+          <p:cNvPr id="3" name="Content Placeholder 2"/>
+          <p:cNvSpPr>
+            <a:spLocks noGrp="1"/>
+          </p:cNvSpPr>
+          <p:nvPr>
+            <p:ph idx="4294967295"/>
+          </p:nvPr>
+        </p:nvSpPr>
+        <p:spPr>
+          <a:xfrm>
+            <a:off x="609600" y="1257300"/>
+            <a:ext cx="10972800" cy="4800600"/>
+          </a:xfrm>
+          <a:prstGeom prst="rect">
+            <a:avLst/>
+          </a:prstGeom>
+        </p:spPr>
+        <p:txBody>
+          <a:bodyPr/>
+          <a:lstStyle/>
+          <a:p>
+            <a:r>
+              <a:rPr lang="en-US" dirty="0"/>
+              <a:t>Clients scan against all non-declined updates in WSUS</a:t>
+            </a:r>
+          </a:p>
+          <a:p>
+            <a:r>
+              <a:rPr lang="en-US" dirty="0"/>
+              <a:t>Superseded updates are generally not needed</a:t>
+            </a:r>
+          </a:p>
+          <a:p>
+            <a:pPr lvl="1"/>
+            <a:r>
+              <a:rPr lang="en-US" dirty="0" err="1"/>
+              <a:t>ConfigMgr</a:t>
+            </a:r>
+            <a:r>
+              <a:rPr lang="en-US" dirty="0"/>
+              <a:t> </a:t>
+            </a:r>
+            <a:r>
+              <a:rPr lang="en-US"/>
+              <a:t>WSUS </a:t>
+            </a:r>
+            <a:r>
+              <a:rPr lang="en-US" dirty="0"/>
+              <a:t>maintenance</a:t>
+            </a:r>
+            <a:r>
+              <a:rPr lang="en-US"/>
+              <a:t> can remove these</a:t>
+            </a:r>
+            <a:endParaRPr lang="en-US" dirty="0"/>
+          </a:p>
+          <a:p>
+            <a:pPr lvl="1"/>
+            <a:r>
+              <a:rPr lang="en-US"/>
+              <a:t>Community solutions / MS solutions if standalone WSUS</a:t>
+            </a:r>
+          </a:p>
+          <a:p>
+            <a:r>
+              <a:rPr lang="en-US" dirty="0"/>
+              <a:t>Updates have a ‘size’ for their metadata</a:t>
+            </a:r>
+          </a:p>
+          <a:p>
+            <a:pPr lvl="1"/>
+            <a:r>
+              <a:rPr lang="en-US" dirty="0">
+                <a:hlinkClick r:id="rId3"/>
+              </a:rPr>
+              <a:t>Decline unused ‘large’ updates</a:t>
+            </a:r>
+            <a:endParaRPr lang="en-US" dirty="0"/>
+          </a:p>
+          <a:p>
+            <a:r>
+              <a:rPr lang="en-US" dirty="0"/>
+              <a:t>More updates = longer scans = more WSUS resource usage</a:t>
+            </a:r>
+          </a:p>
+          <a:p>
+            <a:endParaRPr lang="en-US" dirty="0"/>
+          </a:p>
+        </p:txBody>
+      </p:sp>
+    </p:spTree>
+    <p:extLst>
+      <p:ext uri="{BB962C8B-B14F-4D97-AF65-F5344CB8AC3E}">
+        <p14:creationId xmlns:p14="http://schemas.microsoft.com/office/powerpoint/2010/main" val="411460368"/>
       </p:ext>
     </p:extLst>
   </p:cSld>
@@ -10375,156 +10505,6 @@
           <a:lstStyle/>
           <a:p>
             <a:r>
-              <a:rPr lang="en-US"/>
-              <a:t>Decline unneeded updates</a:t>
-            </a:r>
-            <a:endParaRPr lang="en-US" dirty="0"/>
-          </a:p>
-        </p:txBody>
-      </p:sp>
-      <p:sp>
-        <p:nvSpPr>
-          <p:cNvPr id="3" name="Content Placeholder 2"/>
-          <p:cNvSpPr>
-            <a:spLocks noGrp="1"/>
-          </p:cNvSpPr>
-          <p:nvPr>
-            <p:ph idx="4294967295"/>
-          </p:nvPr>
-        </p:nvSpPr>
-        <p:spPr>
-          <a:xfrm>
-            <a:off x="609600" y="1257300"/>
-            <a:ext cx="10972800" cy="4800600"/>
-          </a:xfrm>
-          <a:prstGeom prst="rect">
-            <a:avLst/>
-          </a:prstGeom>
-        </p:spPr>
-        <p:txBody>
-          <a:bodyPr/>
-          <a:lstStyle/>
-          <a:p>
-            <a:r>
-              <a:rPr lang="en-US" dirty="0"/>
-              <a:t>Clients scan against all non-declined updates in WSUS</a:t>
-            </a:r>
-          </a:p>
-          <a:p>
-            <a:r>
-              <a:rPr lang="en-US" dirty="0"/>
-              <a:t>Superseded updates are generally not needed</a:t>
-            </a:r>
-          </a:p>
-          <a:p>
-            <a:pPr lvl="1"/>
-            <a:r>
-              <a:rPr lang="en-US" dirty="0" err="1"/>
-              <a:t>ConfigMgr</a:t>
-            </a:r>
-            <a:r>
-              <a:rPr lang="en-US" dirty="0"/>
-              <a:t> </a:t>
-            </a:r>
-            <a:r>
-              <a:rPr lang="en-US"/>
-              <a:t>WSUS </a:t>
-            </a:r>
-            <a:r>
-              <a:rPr lang="en-US" dirty="0"/>
-              <a:t>maintenance</a:t>
-            </a:r>
-            <a:r>
-              <a:rPr lang="en-US"/>
-              <a:t> can remove these</a:t>
-            </a:r>
-            <a:endParaRPr lang="en-US" dirty="0"/>
-          </a:p>
-          <a:p>
-            <a:pPr lvl="1"/>
-            <a:r>
-              <a:rPr lang="en-US"/>
-              <a:t>Community solutions / MS solutions if standalone WSUS</a:t>
-            </a:r>
-          </a:p>
-          <a:p>
-            <a:r>
-              <a:rPr lang="en-US" dirty="0"/>
-              <a:t>Updates have a ‘size’ for their metadata</a:t>
-            </a:r>
-          </a:p>
-          <a:p>
-            <a:pPr lvl="1"/>
-            <a:r>
-              <a:rPr lang="en-US" dirty="0">
-                <a:hlinkClick r:id="rId3"/>
-              </a:rPr>
-              <a:t>Decline unused ‘large’ updates</a:t>
-            </a:r>
-            <a:endParaRPr lang="en-US" dirty="0"/>
-          </a:p>
-          <a:p>
-            <a:r>
-              <a:rPr lang="en-US" dirty="0"/>
-              <a:t>More updates = longer scans = more WSUS resource usage</a:t>
-            </a:r>
-          </a:p>
-          <a:p>
-            <a:endParaRPr lang="en-US" dirty="0"/>
-          </a:p>
-        </p:txBody>
-      </p:sp>
-    </p:spTree>
-    <p:extLst>
-      <p:ext uri="{BB962C8B-B14F-4D97-AF65-F5344CB8AC3E}">
-        <p14:creationId xmlns:p14="http://schemas.microsoft.com/office/powerpoint/2010/main" val="411460368"/>
-      </p:ext>
-    </p:extLst>
-  </p:cSld>
-  <p:clrMapOvr>
-    <a:masterClrMapping/>
-  </p:clrMapOvr>
-</p:sld>
-</file>
-
-<file path=ppt/slides/slide18.xml><?xml version="1.0" encoding="utf-8"?>
-<p:sld xmlns:a="http://schemas.openxmlformats.org/drawingml/2006/main" xmlns:r="http://schemas.openxmlformats.org/officeDocument/2006/relationships" xmlns:p="http://schemas.openxmlformats.org/presentationml/2006/main">
-  <p:cSld>
-    <p:spTree>
-      <p:nvGrpSpPr>
-        <p:cNvPr id="1" name=""/>
-        <p:cNvGrpSpPr/>
-        <p:nvPr/>
-      </p:nvGrpSpPr>
-      <p:grpSpPr>
-        <a:xfrm>
-          <a:off x="0" y="0"/>
-          <a:ext cx="0" cy="0"/>
-          <a:chOff x="0" y="0"/>
-          <a:chExt cx="0" cy="0"/>
-        </a:xfrm>
-      </p:grpSpPr>
-      <p:sp>
-        <p:nvSpPr>
-          <p:cNvPr id="2" name="Title 1"/>
-          <p:cNvSpPr>
-            <a:spLocks noGrp="1"/>
-          </p:cNvSpPr>
-          <p:nvPr>
-            <p:ph type="title"/>
-          </p:nvPr>
-        </p:nvSpPr>
-        <p:spPr>
-          <a:xfrm>
-            <a:off x="609600" y="228600"/>
-            <a:ext cx="10972800" cy="914400"/>
-          </a:xfrm>
-        </p:spPr>
-        <p:txBody>
-          <a:bodyPr/>
-          <a:lstStyle/>
-          <a:p>
-            <a:r>
               <a:rPr lang="en-US" dirty="0"/>
               <a:t>First time sync without updates Declined</a:t>
             </a:r>
@@ -10576,7 +10556,7 @@
 </p:sld>
 </file>
 
-<file path=ppt/slides/slide19.xml><?xml version="1.0" encoding="utf-8"?>
+<file path=ppt/slides/slide18.xml><?xml version="1.0" encoding="utf-8"?>
 <p:sld xmlns:a="http://schemas.openxmlformats.org/drawingml/2006/main" xmlns:r="http://schemas.openxmlformats.org/officeDocument/2006/relationships" xmlns:p="http://schemas.openxmlformats.org/presentationml/2006/main">
   <p:cSld>
     <p:spTree>
@@ -10633,6 +10613,142 @@
     <p:extLst>
       <p:ext uri="{BB962C8B-B14F-4D97-AF65-F5344CB8AC3E}">
         <p14:creationId xmlns:p14="http://schemas.microsoft.com/office/powerpoint/2010/main" val="2072278639"/>
+      </p:ext>
+    </p:extLst>
+  </p:cSld>
+  <p:clrMapOvr>
+    <a:masterClrMapping/>
+  </p:clrMapOvr>
+</p:sld>
+</file>
+
+<file path=ppt/slides/slide19.xml><?xml version="1.0" encoding="utf-8"?>
+<p:sld xmlns:a="http://schemas.openxmlformats.org/drawingml/2006/main" xmlns:r="http://schemas.openxmlformats.org/officeDocument/2006/relationships" xmlns:p="http://schemas.openxmlformats.org/presentationml/2006/main">
+  <p:cSld>
+    <p:spTree>
+      <p:nvGrpSpPr>
+        <p:cNvPr id="1" name=""/>
+        <p:cNvGrpSpPr/>
+        <p:nvPr/>
+      </p:nvGrpSpPr>
+      <p:grpSpPr>
+        <a:xfrm>
+          <a:off x="0" y="0"/>
+          <a:ext cx="0" cy="0"/>
+          <a:chOff x="0" y="0"/>
+          <a:chExt cx="0" cy="0"/>
+        </a:xfrm>
+      </p:grpSpPr>
+      <p:sp>
+        <p:nvSpPr>
+          <p:cNvPr id="2" name="Title 1"/>
+          <p:cNvSpPr>
+            <a:spLocks noGrp="1"/>
+          </p:cNvSpPr>
+          <p:nvPr>
+            <p:ph type="title"/>
+          </p:nvPr>
+        </p:nvSpPr>
+        <p:spPr>
+          <a:xfrm>
+            <a:off x="609600" y="228600"/>
+            <a:ext cx="10972800" cy="914400"/>
+          </a:xfrm>
+        </p:spPr>
+        <p:txBody>
+          <a:bodyPr/>
+          <a:lstStyle/>
+          <a:p>
+            <a:r>
+              <a:rPr lang="en-US" dirty="0"/>
+              <a:t>CHECK YOUR ENABLED CATEGORIES / PRODUCTS</a:t>
+            </a:r>
+          </a:p>
+        </p:txBody>
+      </p:sp>
+      <p:sp>
+        <p:nvSpPr>
+          <p:cNvPr id="3" name="Content Placeholder 2"/>
+          <p:cNvSpPr>
+            <a:spLocks noGrp="1"/>
+          </p:cNvSpPr>
+          <p:nvPr>
+            <p:ph idx="4294967295"/>
+          </p:nvPr>
+        </p:nvSpPr>
+        <p:spPr>
+          <a:xfrm>
+            <a:off x="609600" y="1257300"/>
+            <a:ext cx="10972800" cy="4800600"/>
+          </a:xfrm>
+          <a:prstGeom prst="rect">
+            <a:avLst/>
+          </a:prstGeom>
+        </p:spPr>
+        <p:txBody>
+          <a:bodyPr/>
+          <a:lstStyle/>
+          <a:p>
+            <a:r>
+              <a:rPr lang="en-US" dirty="0"/>
+              <a:t>Review the products enabled in the SUP ✅</a:t>
+            </a:r>
+          </a:p>
+          <a:p>
+            <a:r>
+              <a:rPr lang="en-US" dirty="0"/>
+              <a:t>Don’t check everything in most case ❌</a:t>
+            </a:r>
+          </a:p>
+          <a:p>
+            <a:pPr lvl="1"/>
+            <a:r>
+              <a:rPr lang="en-US" dirty="0"/>
+              <a:t>e.g. - You probably don’t have XP running?</a:t>
+            </a:r>
+          </a:p>
+          <a:p>
+            <a:pPr marL="0" indent="0">
+              <a:buNone/>
+            </a:pPr>
+            <a:endParaRPr lang="en-US" dirty="0"/>
+          </a:p>
+        </p:txBody>
+      </p:sp>
+      <p:pic>
+        <p:nvPicPr>
+          <p:cNvPr id="5" name="Picture 4">
+            <a:extLst>
+              <a:ext uri="{FF2B5EF4-FFF2-40B4-BE49-F238E27FC236}">
+                <a16:creationId xmlns:a16="http://schemas.microsoft.com/office/drawing/2014/main" id="{3EB4AD7C-FB7C-4171-8745-A16F58CBF61E}"/>
+              </a:ext>
+            </a:extLst>
+          </p:cNvPr>
+          <p:cNvPicPr>
+            <a:picLocks noChangeAspect="1"/>
+          </p:cNvPicPr>
+          <p:nvPr/>
+        </p:nvPicPr>
+        <p:blipFill>
+          <a:blip r:embed="rId3"/>
+          <a:stretch>
+            <a:fillRect/>
+          </a:stretch>
+        </p:blipFill>
+        <p:spPr>
+          <a:xfrm>
+            <a:off x="6096000" y="1752600"/>
+            <a:ext cx="5905500" cy="4305300"/>
+          </a:xfrm>
+          <a:prstGeom prst="rect">
+            <a:avLst/>
+          </a:prstGeom>
+        </p:spPr>
+      </p:pic>
+    </p:spTree>
+    <p:extLst>
+      <p:ext uri="{BB962C8B-B14F-4D97-AF65-F5344CB8AC3E}">
+        <p14:creationId xmlns:p14="http://schemas.microsoft.com/office/powerpoint/2010/main" val="1139305593"/>
       </p:ext>
     </p:extLst>
   </p:cSld>
@@ -11287,142 +11403,6 @@
 </file>
 
 <file path=ppt/slides/slide20.xml><?xml version="1.0" encoding="utf-8"?>
-<p:sld xmlns:a="http://schemas.openxmlformats.org/drawingml/2006/main" xmlns:r="http://schemas.openxmlformats.org/officeDocument/2006/relationships" xmlns:p="http://schemas.openxmlformats.org/presentationml/2006/main">
-  <p:cSld>
-    <p:spTree>
-      <p:nvGrpSpPr>
-        <p:cNvPr id="1" name=""/>
-        <p:cNvGrpSpPr/>
-        <p:nvPr/>
-      </p:nvGrpSpPr>
-      <p:grpSpPr>
-        <a:xfrm>
-          <a:off x="0" y="0"/>
-          <a:ext cx="0" cy="0"/>
-          <a:chOff x="0" y="0"/>
-          <a:chExt cx="0" cy="0"/>
-        </a:xfrm>
-      </p:grpSpPr>
-      <p:sp>
-        <p:nvSpPr>
-          <p:cNvPr id="2" name="Title 1"/>
-          <p:cNvSpPr>
-            <a:spLocks noGrp="1"/>
-          </p:cNvSpPr>
-          <p:nvPr>
-            <p:ph type="title"/>
-          </p:nvPr>
-        </p:nvSpPr>
-        <p:spPr>
-          <a:xfrm>
-            <a:off x="609600" y="228600"/>
-            <a:ext cx="10972800" cy="914400"/>
-          </a:xfrm>
-        </p:spPr>
-        <p:txBody>
-          <a:bodyPr/>
-          <a:lstStyle/>
-          <a:p>
-            <a:r>
-              <a:rPr lang="en-US" dirty="0"/>
-              <a:t>CHECK YOUR ENABLED CATEGORIES / PRODUCTS</a:t>
-            </a:r>
-          </a:p>
-        </p:txBody>
-      </p:sp>
-      <p:sp>
-        <p:nvSpPr>
-          <p:cNvPr id="3" name="Content Placeholder 2"/>
-          <p:cNvSpPr>
-            <a:spLocks noGrp="1"/>
-          </p:cNvSpPr>
-          <p:nvPr>
-            <p:ph idx="4294967295"/>
-          </p:nvPr>
-        </p:nvSpPr>
-        <p:spPr>
-          <a:xfrm>
-            <a:off x="609600" y="1257300"/>
-            <a:ext cx="10972800" cy="4800600"/>
-          </a:xfrm>
-          <a:prstGeom prst="rect">
-            <a:avLst/>
-          </a:prstGeom>
-        </p:spPr>
-        <p:txBody>
-          <a:bodyPr/>
-          <a:lstStyle/>
-          <a:p>
-            <a:r>
-              <a:rPr lang="en-US" dirty="0"/>
-              <a:t>Review the products enabled in the SUP ✅</a:t>
-            </a:r>
-          </a:p>
-          <a:p>
-            <a:r>
-              <a:rPr lang="en-US" dirty="0"/>
-              <a:t>Don’t check everything in most case ❌</a:t>
-            </a:r>
-          </a:p>
-          <a:p>
-            <a:pPr lvl="1"/>
-            <a:r>
-              <a:rPr lang="en-US" dirty="0"/>
-              <a:t>e.g. - You probably don’t have XP running?</a:t>
-            </a:r>
-          </a:p>
-          <a:p>
-            <a:pPr marL="0" indent="0">
-              <a:buNone/>
-            </a:pPr>
-            <a:endParaRPr lang="en-US" dirty="0"/>
-          </a:p>
-        </p:txBody>
-      </p:sp>
-      <p:pic>
-        <p:nvPicPr>
-          <p:cNvPr id="5" name="Picture 4">
-            <a:extLst>
-              <a:ext uri="{FF2B5EF4-FFF2-40B4-BE49-F238E27FC236}">
-                <a16:creationId xmlns:a16="http://schemas.microsoft.com/office/drawing/2014/main" id="{3EB4AD7C-FB7C-4171-8745-A16F58CBF61E}"/>
-              </a:ext>
-            </a:extLst>
-          </p:cNvPr>
-          <p:cNvPicPr>
-            <a:picLocks noChangeAspect="1"/>
-          </p:cNvPicPr>
-          <p:nvPr/>
-        </p:nvPicPr>
-        <p:blipFill>
-          <a:blip r:embed="rId3"/>
-          <a:stretch>
-            <a:fillRect/>
-          </a:stretch>
-        </p:blipFill>
-        <p:spPr>
-          <a:xfrm>
-            <a:off x="6096000" y="1752600"/>
-            <a:ext cx="5905500" cy="4305300"/>
-          </a:xfrm>
-          <a:prstGeom prst="rect">
-            <a:avLst/>
-          </a:prstGeom>
-        </p:spPr>
-      </p:pic>
-    </p:spTree>
-    <p:extLst>
-      <p:ext uri="{BB962C8B-B14F-4D97-AF65-F5344CB8AC3E}">
-        <p14:creationId xmlns:p14="http://schemas.microsoft.com/office/powerpoint/2010/main" val="1139305593"/>
-      </p:ext>
-    </p:extLst>
-  </p:cSld>
-  <p:clrMapOvr>
-    <a:masterClrMapping/>
-  </p:clrMapOvr>
-</p:sld>
-</file>
-
-<file path=ppt/slides/slide21.xml><?xml version="1.0" encoding="utf-8"?>
 <p:sld xmlns:a="http://schemas.openxmlformats.org/drawingml/2006/main" xmlns:r="http://schemas.openxmlformats.org/officeDocument/2006/relationships" xmlns:p="http://schemas.openxmlformats.org/presentationml/2006/main">
   <p:cSld>
     <p:spTree>
@@ -11844,7 +11824,7 @@
 </p:sld>
 </file>
 
-<file path=ppt/slides/slide22.xml><?xml version="1.0" encoding="utf-8"?>
+<file path=ppt/slides/slide21.xml><?xml version="1.0" encoding="utf-8"?>
 <p:sld xmlns:a="http://schemas.openxmlformats.org/drawingml/2006/main" xmlns:r="http://schemas.openxmlformats.org/officeDocument/2006/relationships" xmlns:p="http://schemas.openxmlformats.org/presentationml/2006/main">
   <p:cSld>
     <p:spTree>
@@ -11904,7 +11884,7 @@
 </p:sld>
 </file>
 
-<file path=ppt/slides/slide23.xml><?xml version="1.0" encoding="utf-8"?>
+<file path=ppt/slides/slide22.xml><?xml version="1.0" encoding="utf-8"?>
 <p:sld xmlns:a="http://schemas.openxmlformats.org/drawingml/2006/main" xmlns:r="http://schemas.openxmlformats.org/officeDocument/2006/relationships" xmlns:p="http://schemas.openxmlformats.org/presentationml/2006/main">
   <p:cSld>
     <p:spTree>
@@ -12106,6 +12086,66 @@
     <p:extLst>
       <p:ext uri="{BB962C8B-B14F-4D97-AF65-F5344CB8AC3E}">
         <p14:creationId xmlns:p14="http://schemas.microsoft.com/office/powerpoint/2010/main" val="3000987206"/>
+      </p:ext>
+    </p:extLst>
+  </p:cSld>
+  <p:clrMapOvr>
+    <a:masterClrMapping/>
+  </p:clrMapOvr>
+</p:sld>
+</file>
+
+<file path=ppt/slides/slide23.xml><?xml version="1.0" encoding="utf-8"?>
+<p:sld xmlns:a="http://schemas.openxmlformats.org/drawingml/2006/main" xmlns:r="http://schemas.openxmlformats.org/officeDocument/2006/relationships" xmlns:p="http://schemas.openxmlformats.org/presentationml/2006/main">
+  <p:cSld>
+    <p:spTree>
+      <p:nvGrpSpPr>
+        <p:cNvPr id="1" name=""/>
+        <p:cNvGrpSpPr/>
+        <p:nvPr/>
+      </p:nvGrpSpPr>
+      <p:grpSpPr>
+        <a:xfrm>
+          <a:off x="0" y="0"/>
+          <a:ext cx="0" cy="0"/>
+          <a:chOff x="0" y="0"/>
+          <a:chExt cx="0" cy="0"/>
+        </a:xfrm>
+      </p:grpSpPr>
+      <p:sp>
+        <p:nvSpPr>
+          <p:cNvPr id="7" name="Text Placeholder 6"/>
+          <p:cNvSpPr>
+            <a:spLocks noGrp="1"/>
+          </p:cNvSpPr>
+          <p:nvPr>
+            <p:ph type="body" idx="1"/>
+          </p:nvPr>
+        </p:nvSpPr>
+        <p:spPr/>
+        <p:txBody>
+          <a:bodyPr>
+            <a:normAutofit fontScale="92500" lnSpcReduction="10000"/>
+          </a:bodyPr>
+          <a:lstStyle/>
+          <a:p>
+            <a:r>
+              <a:rPr lang="en-US"/>
+              <a:t>Demo – Cody</a:t>
+            </a:r>
+          </a:p>
+          <a:p>
+            <a:r>
+              <a:rPr lang="en-US"/>
+              <a:t>IIS Wonderland</a:t>
+            </a:r>
+          </a:p>
+        </p:txBody>
+      </p:sp>
+    </p:spTree>
+    <p:extLst>
+      <p:ext uri="{BB962C8B-B14F-4D97-AF65-F5344CB8AC3E}">
+        <p14:creationId xmlns:p14="http://schemas.microsoft.com/office/powerpoint/2010/main" val="3476847285"/>
       </p:ext>
     </p:extLst>
   </p:cSld>
@@ -12151,13 +12191,13 @@
           <a:p>
             <a:r>
               <a:rPr lang="en-US"/>
-              <a:t>Demo – Cody</a:t>
+              <a:t>Demo(4) – Justin</a:t>
             </a:r>
           </a:p>
           <a:p>
             <a:r>
               <a:rPr lang="en-US"/>
-              <a:t>IIS Wonderland</a:t>
+              <a:t>SQL Profiler</a:t>
             </a:r>
           </a:p>
         </p:txBody>
@@ -12165,7 +12205,7 @@
     </p:spTree>
     <p:extLst>
       <p:ext uri="{BB962C8B-B14F-4D97-AF65-F5344CB8AC3E}">
-        <p14:creationId xmlns:p14="http://schemas.microsoft.com/office/powerpoint/2010/main" val="3476847285"/>
+        <p14:creationId xmlns:p14="http://schemas.microsoft.com/office/powerpoint/2010/main" val="2131834310"/>
       </p:ext>
     </p:extLst>
   </p:cSld>
@@ -12194,38 +12234,693 @@
       </p:grpSpPr>
       <p:sp>
         <p:nvSpPr>
-          <p:cNvPr id="7" name="Text Placeholder 6"/>
+          <p:cNvPr id="2" name="Title 1">
+            <a:extLst>
+              <a:ext uri="{FF2B5EF4-FFF2-40B4-BE49-F238E27FC236}">
+                <a16:creationId xmlns:a16="http://schemas.microsoft.com/office/drawing/2014/main" id="{760EC4CA-25E6-411C-8987-69AA8B8D5AE1}"/>
+              </a:ext>
+            </a:extLst>
+          </p:cNvPr>
           <p:cNvSpPr>
             <a:spLocks noGrp="1"/>
           </p:cNvSpPr>
           <p:nvPr>
-            <p:ph type="body" idx="1"/>
+            <p:ph type="title"/>
           </p:nvPr>
         </p:nvSpPr>
-        <p:spPr/>
+        <p:spPr>
+          <a:xfrm>
+            <a:off x="609600" y="228600"/>
+            <a:ext cx="10972800" cy="914400"/>
+          </a:xfrm>
+        </p:spPr>
         <p:txBody>
-          <a:bodyPr>
-            <a:normAutofit fontScale="92500" lnSpcReduction="10000"/>
+          <a:bodyPr anchor="ctr">
+            <a:normAutofit/>
           </a:bodyPr>
           <a:lstStyle/>
           <a:p>
             <a:r>
-              <a:rPr lang="en-US"/>
-              <a:t>Demo(4) – Justin</a:t>
-            </a:r>
-          </a:p>
-          <a:p>
-            <a:r>
-              <a:rPr lang="en-US"/>
-              <a:t>SQL Profiler</a:t>
+              <a:rPr lang="en-US" dirty="0"/>
+              <a:t>Feedback?</a:t>
             </a:r>
           </a:p>
         </p:txBody>
       </p:sp>
+      <p:sp>
+        <p:nvSpPr>
+          <p:cNvPr id="3" name="Content Placeholder 2">
+            <a:extLst>
+              <a:ext uri="{FF2B5EF4-FFF2-40B4-BE49-F238E27FC236}">
+                <a16:creationId xmlns:a16="http://schemas.microsoft.com/office/drawing/2014/main" id="{155932A7-C8C3-412E-A9B3-24FAD2B3B1BA}"/>
+              </a:ext>
+            </a:extLst>
+          </p:cNvPr>
+          <p:cNvSpPr>
+            <a:spLocks noGrp="1"/>
+          </p:cNvSpPr>
+          <p:nvPr>
+            <p:ph sz="half" idx="2"/>
+          </p:nvPr>
+        </p:nvSpPr>
+        <p:spPr>
+          <a:xfrm>
+            <a:off x="107151" y="1206631"/>
+            <a:ext cx="5714670" cy="4812832"/>
+          </a:xfrm>
+        </p:spPr>
+        <p:txBody>
+          <a:bodyPr anchor="t">
+            <a:normAutofit/>
+          </a:bodyPr>
+          <a:lstStyle/>
+          <a:p>
+            <a:pPr marL="0" indent="0">
+              <a:buNone/>
+            </a:pPr>
+            <a:r>
+              <a:rPr lang="en-US" sz="2800" dirty="0"/>
+              <a:t>Meeting Candence</a:t>
+            </a:r>
+            <a:endParaRPr lang="en-US" sz="2600" dirty="0"/>
+          </a:p>
+        </p:txBody>
+      </p:sp>
+      <p:pic>
+        <p:nvPicPr>
+          <p:cNvPr id="8" name="Picture 7">
+            <a:extLst>
+              <a:ext uri="{FF2B5EF4-FFF2-40B4-BE49-F238E27FC236}">
+                <a16:creationId xmlns:a16="http://schemas.microsoft.com/office/drawing/2014/main" id="{2D34B8D1-7279-40A6-AB08-4A4C593BC966}"/>
+              </a:ext>
+            </a:extLst>
+          </p:cNvPr>
+          <p:cNvPicPr>
+            <a:picLocks noChangeAspect="1"/>
+          </p:cNvPicPr>
+          <p:nvPr/>
+        </p:nvPicPr>
+        <p:blipFill>
+          <a:blip r:embed="rId3"/>
+          <a:stretch>
+            <a:fillRect/>
+          </a:stretch>
+        </p:blipFill>
+        <p:spPr>
+          <a:xfrm>
+            <a:off x="382579" y="1893030"/>
+            <a:ext cx="2530303" cy="2530303"/>
+          </a:xfrm>
+          <a:prstGeom prst="rect">
+            <a:avLst/>
+          </a:prstGeom>
+        </p:spPr>
+      </p:pic>
+      <p:sp>
+        <p:nvSpPr>
+          <p:cNvPr id="6" name="Content Placeholder 2">
+            <a:extLst>
+              <a:ext uri="{FF2B5EF4-FFF2-40B4-BE49-F238E27FC236}">
+                <a16:creationId xmlns:a16="http://schemas.microsoft.com/office/drawing/2014/main" id="{27562E58-BF22-4691-A734-9441D12DB456}"/>
+              </a:ext>
+            </a:extLst>
+          </p:cNvPr>
+          <p:cNvSpPr txBox="1">
+            <a:spLocks/>
+          </p:cNvSpPr>
+          <p:nvPr/>
+        </p:nvSpPr>
+        <p:spPr>
+          <a:xfrm>
+            <a:off x="8448159" y="1206631"/>
+            <a:ext cx="3445183" cy="3763651"/>
+          </a:xfrm>
+          <a:prstGeom prst="rect">
+            <a:avLst/>
+          </a:prstGeom>
+        </p:spPr>
+        <p:txBody>
+          <a:bodyPr vert="horz" lIns="91440" tIns="45720" rIns="91440" bIns="45720" rtlCol="0" anchor="t">
+            <a:normAutofit/>
+          </a:bodyPr>
+          <a:lstStyle>
+            <a:lvl1pPr marL="285750" indent="-285750" algn="l" defTabSz="457200" rtl="0" eaLnBrk="1" latinLnBrk="0" hangingPunct="1">
+              <a:spcBef>
+                <a:spcPct val="20000"/>
+              </a:spcBef>
+              <a:spcAft>
+                <a:spcPts val="600"/>
+              </a:spcAft>
+              <a:buClr>
+                <a:schemeClr val="tx1"/>
+              </a:buClr>
+              <a:buSzPct val="80000"/>
+              <a:buFont typeface="Wingdings 3" panose="05040102010807070707" pitchFamily="18" charset="2"/>
+              <a:buChar char=""/>
+              <a:defRPr sz="2000" kern="1200" cap="none">
+                <a:solidFill>
+                  <a:schemeClr val="tx1"/>
+                </a:solidFill>
+                <a:effectLst/>
+                <a:latin typeface="+mn-lt"/>
+                <a:ea typeface="+mn-ea"/>
+                <a:cs typeface="+mn-cs"/>
+              </a:defRPr>
+            </a:lvl1pPr>
+            <a:lvl2pPr marL="742950" indent="-285750" algn="l" defTabSz="457200" rtl="0" eaLnBrk="1" latinLnBrk="0" hangingPunct="1">
+              <a:spcBef>
+                <a:spcPct val="20000"/>
+              </a:spcBef>
+              <a:spcAft>
+                <a:spcPts val="600"/>
+              </a:spcAft>
+              <a:buClr>
+                <a:schemeClr val="tx1"/>
+              </a:buClr>
+              <a:buSzPct val="80000"/>
+              <a:buFont typeface="Wingdings 3" panose="05040102010807070707" pitchFamily="18" charset="2"/>
+              <a:buChar char=""/>
+              <a:defRPr sz="1800" kern="1200" cap="none">
+                <a:solidFill>
+                  <a:schemeClr val="tx1"/>
+                </a:solidFill>
+                <a:effectLst/>
+                <a:latin typeface="+mn-lt"/>
+                <a:ea typeface="+mn-ea"/>
+                <a:cs typeface="+mn-cs"/>
+              </a:defRPr>
+            </a:lvl2pPr>
+            <a:lvl3pPr marL="1200150" indent="-285750" algn="l" defTabSz="457200" rtl="0" eaLnBrk="1" latinLnBrk="0" hangingPunct="1">
+              <a:spcBef>
+                <a:spcPct val="20000"/>
+              </a:spcBef>
+              <a:spcAft>
+                <a:spcPts val="600"/>
+              </a:spcAft>
+              <a:buClr>
+                <a:schemeClr val="tx1"/>
+              </a:buClr>
+              <a:buSzPct val="80000"/>
+              <a:buFont typeface="Wingdings 3" panose="05040102010807070707" pitchFamily="18" charset="2"/>
+              <a:buChar char=""/>
+              <a:defRPr sz="1600" kern="1200" cap="none">
+                <a:solidFill>
+                  <a:schemeClr val="tx1"/>
+                </a:solidFill>
+                <a:effectLst/>
+                <a:latin typeface="+mn-lt"/>
+                <a:ea typeface="+mn-ea"/>
+                <a:cs typeface="+mn-cs"/>
+              </a:defRPr>
+            </a:lvl3pPr>
+            <a:lvl4pPr marL="1543050" indent="-171450" algn="l" defTabSz="457200" rtl="0" eaLnBrk="1" latinLnBrk="0" hangingPunct="1">
+              <a:spcBef>
+                <a:spcPct val="20000"/>
+              </a:spcBef>
+              <a:spcAft>
+                <a:spcPts val="600"/>
+              </a:spcAft>
+              <a:buClr>
+                <a:schemeClr val="tx1"/>
+              </a:buClr>
+              <a:buSzPct val="80000"/>
+              <a:buFont typeface="Wingdings 3" panose="05040102010807070707" pitchFamily="18" charset="2"/>
+              <a:buChar char=""/>
+              <a:defRPr sz="1400" kern="1200" cap="none">
+                <a:solidFill>
+                  <a:schemeClr val="tx1"/>
+                </a:solidFill>
+                <a:effectLst/>
+                <a:latin typeface="+mn-lt"/>
+                <a:ea typeface="+mn-ea"/>
+                <a:cs typeface="+mn-cs"/>
+              </a:defRPr>
+            </a:lvl4pPr>
+            <a:lvl5pPr marL="2000250" indent="-171450" algn="l" defTabSz="457200" rtl="0" eaLnBrk="1" latinLnBrk="0" hangingPunct="1">
+              <a:spcBef>
+                <a:spcPct val="20000"/>
+              </a:spcBef>
+              <a:spcAft>
+                <a:spcPts val="600"/>
+              </a:spcAft>
+              <a:buClr>
+                <a:schemeClr val="tx1"/>
+              </a:buClr>
+              <a:buSzPct val="80000"/>
+              <a:buFont typeface="Wingdings 3" panose="05040102010807070707" pitchFamily="18" charset="2"/>
+              <a:buChar char=""/>
+              <a:defRPr sz="1400" kern="1200" cap="none">
+                <a:solidFill>
+                  <a:schemeClr val="tx1"/>
+                </a:solidFill>
+                <a:effectLst/>
+                <a:latin typeface="+mn-lt"/>
+                <a:ea typeface="+mn-ea"/>
+                <a:cs typeface="+mn-cs"/>
+              </a:defRPr>
+            </a:lvl5pPr>
+            <a:lvl6pPr marL="2514600" indent="-228600" algn="l" defTabSz="457200" rtl="0" eaLnBrk="1" latinLnBrk="0" hangingPunct="1">
+              <a:spcBef>
+                <a:spcPct val="20000"/>
+              </a:spcBef>
+              <a:spcAft>
+                <a:spcPts val="600"/>
+              </a:spcAft>
+              <a:buClr>
+                <a:schemeClr val="tx1"/>
+              </a:buClr>
+              <a:buSzPct val="80000"/>
+              <a:buFont typeface="Wingdings 3" panose="05040102010807070707" pitchFamily="18" charset="2"/>
+              <a:buChar char=""/>
+              <a:defRPr sz="1400" kern="1200" cap="none">
+                <a:solidFill>
+                  <a:schemeClr val="bg2">
+                    <a:lumMod val="75000"/>
+                  </a:schemeClr>
+                </a:solidFill>
+                <a:effectLst/>
+                <a:latin typeface="+mn-lt"/>
+                <a:ea typeface="+mn-ea"/>
+                <a:cs typeface="+mn-cs"/>
+              </a:defRPr>
+            </a:lvl6pPr>
+            <a:lvl7pPr marL="2971800" indent="-228600" algn="l" defTabSz="457200" rtl="0" eaLnBrk="1" latinLnBrk="0" hangingPunct="1">
+              <a:spcBef>
+                <a:spcPct val="20000"/>
+              </a:spcBef>
+              <a:spcAft>
+                <a:spcPts val="600"/>
+              </a:spcAft>
+              <a:buClr>
+                <a:schemeClr val="tx1"/>
+              </a:buClr>
+              <a:buSzPct val="80000"/>
+              <a:buFont typeface="Wingdings 3" panose="05040102010807070707" pitchFamily="18" charset="2"/>
+              <a:buChar char=""/>
+              <a:defRPr sz="1400" kern="1200" cap="none">
+                <a:solidFill>
+                  <a:schemeClr val="bg2">
+                    <a:lumMod val="75000"/>
+                  </a:schemeClr>
+                </a:solidFill>
+                <a:effectLst/>
+                <a:latin typeface="+mn-lt"/>
+                <a:ea typeface="+mn-ea"/>
+                <a:cs typeface="+mn-cs"/>
+              </a:defRPr>
+            </a:lvl7pPr>
+            <a:lvl8pPr marL="3429000" indent="-228600" algn="l" defTabSz="457200" rtl="0" eaLnBrk="1" latinLnBrk="0" hangingPunct="1">
+              <a:spcBef>
+                <a:spcPct val="20000"/>
+              </a:spcBef>
+              <a:spcAft>
+                <a:spcPts val="600"/>
+              </a:spcAft>
+              <a:buClr>
+                <a:schemeClr val="tx1"/>
+              </a:buClr>
+              <a:buSzPct val="80000"/>
+              <a:buFont typeface="Wingdings 3" panose="05040102010807070707" pitchFamily="18" charset="2"/>
+              <a:buChar char=""/>
+              <a:defRPr sz="1400" kern="1200" cap="none">
+                <a:solidFill>
+                  <a:schemeClr val="bg2">
+                    <a:lumMod val="75000"/>
+                  </a:schemeClr>
+                </a:solidFill>
+                <a:effectLst/>
+                <a:latin typeface="+mn-lt"/>
+                <a:ea typeface="+mn-ea"/>
+                <a:cs typeface="+mn-cs"/>
+              </a:defRPr>
+            </a:lvl8pPr>
+            <a:lvl9pPr marL="3886200" indent="-228600" algn="l" defTabSz="457200" rtl="0" eaLnBrk="1" latinLnBrk="0" hangingPunct="1">
+              <a:spcBef>
+                <a:spcPct val="20000"/>
+              </a:spcBef>
+              <a:spcAft>
+                <a:spcPts val="600"/>
+              </a:spcAft>
+              <a:buClr>
+                <a:schemeClr val="tx1"/>
+              </a:buClr>
+              <a:buSzPct val="80000"/>
+              <a:buFont typeface="Wingdings 3" panose="05040102010807070707" pitchFamily="18" charset="2"/>
+              <a:buChar char=""/>
+              <a:defRPr sz="1400" kern="1200" cap="none">
+                <a:solidFill>
+                  <a:schemeClr val="bg2">
+                    <a:lumMod val="75000"/>
+                  </a:schemeClr>
+                </a:solidFill>
+                <a:effectLst/>
+                <a:latin typeface="+mn-lt"/>
+                <a:ea typeface="+mn-ea"/>
+                <a:cs typeface="+mn-cs"/>
+              </a:defRPr>
+            </a:lvl9pPr>
+          </a:lstStyle>
+          <a:p>
+            <a:pPr marL="0" indent="0">
+              <a:buFont typeface="Wingdings 3" panose="05040102010807070707" pitchFamily="18" charset="2"/>
+              <a:buNone/>
+            </a:pPr>
+            <a:r>
+              <a:rPr lang="en-US" sz="2800" dirty="0"/>
+              <a:t>Feedback for Today!</a:t>
+            </a:r>
+            <a:endParaRPr lang="en-US" sz="2600" dirty="0"/>
+          </a:p>
+        </p:txBody>
+      </p:sp>
+      <p:pic>
+        <p:nvPicPr>
+          <p:cNvPr id="9" name="Picture 8">
+            <a:extLst>
+              <a:ext uri="{FF2B5EF4-FFF2-40B4-BE49-F238E27FC236}">
+                <a16:creationId xmlns:a16="http://schemas.microsoft.com/office/drawing/2014/main" id="{8415F69F-39EF-48D4-B91B-4C8A42F25A50}"/>
+              </a:ext>
+            </a:extLst>
+          </p:cNvPr>
+          <p:cNvPicPr>
+            <a:picLocks noChangeAspect="1"/>
+          </p:cNvPicPr>
+          <p:nvPr/>
+        </p:nvPicPr>
+        <p:blipFill>
+          <a:blip r:embed="rId4"/>
+          <a:stretch>
+            <a:fillRect/>
+          </a:stretch>
+        </p:blipFill>
+        <p:spPr>
+          <a:xfrm>
+            <a:off x="8561505" y="1893030"/>
+            <a:ext cx="2549692" cy="2530303"/>
+          </a:xfrm>
+          <a:prstGeom prst="rect">
+            <a:avLst/>
+          </a:prstGeom>
+        </p:spPr>
+      </p:pic>
+      <p:sp>
+        <p:nvSpPr>
+          <p:cNvPr id="10" name="Content Placeholder 2">
+            <a:extLst>
+              <a:ext uri="{FF2B5EF4-FFF2-40B4-BE49-F238E27FC236}">
+                <a16:creationId xmlns:a16="http://schemas.microsoft.com/office/drawing/2014/main" id="{CBA0A6D3-ACCE-4DDD-B7CB-0AA43529DA1A}"/>
+              </a:ext>
+            </a:extLst>
+          </p:cNvPr>
+          <p:cNvSpPr txBox="1">
+            <a:spLocks/>
+          </p:cNvSpPr>
+          <p:nvPr/>
+        </p:nvSpPr>
+        <p:spPr>
+          <a:xfrm>
+            <a:off x="4132396" y="1206631"/>
+            <a:ext cx="5714670" cy="3682059"/>
+          </a:xfrm>
+          <a:prstGeom prst="rect">
+            <a:avLst/>
+          </a:prstGeom>
+        </p:spPr>
+        <p:txBody>
+          <a:bodyPr vert="horz" lIns="91440" tIns="45720" rIns="91440" bIns="45720" rtlCol="0" anchor="t">
+            <a:normAutofit/>
+          </a:bodyPr>
+          <a:lstStyle>
+            <a:lvl1pPr marL="285750" indent="-285750" algn="l" defTabSz="457200" rtl="0" eaLnBrk="1" latinLnBrk="0" hangingPunct="1">
+              <a:spcBef>
+                <a:spcPct val="20000"/>
+              </a:spcBef>
+              <a:spcAft>
+                <a:spcPts val="600"/>
+              </a:spcAft>
+              <a:buClr>
+                <a:schemeClr val="tx1"/>
+              </a:buClr>
+              <a:buSzPct val="80000"/>
+              <a:buFont typeface="Wingdings 3" panose="05040102010807070707" pitchFamily="18" charset="2"/>
+              <a:buChar char=""/>
+              <a:defRPr sz="2000" kern="1200" cap="none">
+                <a:solidFill>
+                  <a:schemeClr val="tx1"/>
+                </a:solidFill>
+                <a:effectLst/>
+                <a:latin typeface="+mn-lt"/>
+                <a:ea typeface="+mn-ea"/>
+                <a:cs typeface="+mn-cs"/>
+              </a:defRPr>
+            </a:lvl1pPr>
+            <a:lvl2pPr marL="742950" indent="-285750" algn="l" defTabSz="457200" rtl="0" eaLnBrk="1" latinLnBrk="0" hangingPunct="1">
+              <a:spcBef>
+                <a:spcPct val="20000"/>
+              </a:spcBef>
+              <a:spcAft>
+                <a:spcPts val="600"/>
+              </a:spcAft>
+              <a:buClr>
+                <a:schemeClr val="tx1"/>
+              </a:buClr>
+              <a:buSzPct val="80000"/>
+              <a:buFont typeface="Wingdings 3" panose="05040102010807070707" pitchFamily="18" charset="2"/>
+              <a:buChar char=""/>
+              <a:defRPr sz="1800" kern="1200" cap="none">
+                <a:solidFill>
+                  <a:schemeClr val="tx1"/>
+                </a:solidFill>
+                <a:effectLst/>
+                <a:latin typeface="+mn-lt"/>
+                <a:ea typeface="+mn-ea"/>
+                <a:cs typeface="+mn-cs"/>
+              </a:defRPr>
+            </a:lvl2pPr>
+            <a:lvl3pPr marL="1200150" indent="-285750" algn="l" defTabSz="457200" rtl="0" eaLnBrk="1" latinLnBrk="0" hangingPunct="1">
+              <a:spcBef>
+                <a:spcPct val="20000"/>
+              </a:spcBef>
+              <a:spcAft>
+                <a:spcPts val="600"/>
+              </a:spcAft>
+              <a:buClr>
+                <a:schemeClr val="tx1"/>
+              </a:buClr>
+              <a:buSzPct val="80000"/>
+              <a:buFont typeface="Wingdings 3" panose="05040102010807070707" pitchFamily="18" charset="2"/>
+              <a:buChar char=""/>
+              <a:defRPr sz="1600" kern="1200" cap="none">
+                <a:solidFill>
+                  <a:schemeClr val="tx1"/>
+                </a:solidFill>
+                <a:effectLst/>
+                <a:latin typeface="+mn-lt"/>
+                <a:ea typeface="+mn-ea"/>
+                <a:cs typeface="+mn-cs"/>
+              </a:defRPr>
+            </a:lvl3pPr>
+            <a:lvl4pPr marL="1543050" indent="-171450" algn="l" defTabSz="457200" rtl="0" eaLnBrk="1" latinLnBrk="0" hangingPunct="1">
+              <a:spcBef>
+                <a:spcPct val="20000"/>
+              </a:spcBef>
+              <a:spcAft>
+                <a:spcPts val="600"/>
+              </a:spcAft>
+              <a:buClr>
+                <a:schemeClr val="tx1"/>
+              </a:buClr>
+              <a:buSzPct val="80000"/>
+              <a:buFont typeface="Wingdings 3" panose="05040102010807070707" pitchFamily="18" charset="2"/>
+              <a:buChar char=""/>
+              <a:defRPr sz="1400" kern="1200" cap="none">
+                <a:solidFill>
+                  <a:schemeClr val="tx1"/>
+                </a:solidFill>
+                <a:effectLst/>
+                <a:latin typeface="+mn-lt"/>
+                <a:ea typeface="+mn-ea"/>
+                <a:cs typeface="+mn-cs"/>
+              </a:defRPr>
+            </a:lvl4pPr>
+            <a:lvl5pPr marL="2000250" indent="-171450" algn="l" defTabSz="457200" rtl="0" eaLnBrk="1" latinLnBrk="0" hangingPunct="1">
+              <a:spcBef>
+                <a:spcPct val="20000"/>
+              </a:spcBef>
+              <a:spcAft>
+                <a:spcPts val="600"/>
+              </a:spcAft>
+              <a:buClr>
+                <a:schemeClr val="tx1"/>
+              </a:buClr>
+              <a:buSzPct val="80000"/>
+              <a:buFont typeface="Wingdings 3" panose="05040102010807070707" pitchFamily="18" charset="2"/>
+              <a:buChar char=""/>
+              <a:defRPr sz="1400" kern="1200" cap="none">
+                <a:solidFill>
+                  <a:schemeClr val="tx1"/>
+                </a:solidFill>
+                <a:effectLst/>
+                <a:latin typeface="+mn-lt"/>
+                <a:ea typeface="+mn-ea"/>
+                <a:cs typeface="+mn-cs"/>
+              </a:defRPr>
+            </a:lvl5pPr>
+            <a:lvl6pPr marL="2514600" indent="-228600" algn="l" defTabSz="457200" rtl="0" eaLnBrk="1" latinLnBrk="0" hangingPunct="1">
+              <a:spcBef>
+                <a:spcPct val="20000"/>
+              </a:spcBef>
+              <a:spcAft>
+                <a:spcPts val="600"/>
+              </a:spcAft>
+              <a:buClr>
+                <a:schemeClr val="tx1"/>
+              </a:buClr>
+              <a:buSzPct val="80000"/>
+              <a:buFont typeface="Wingdings 3" panose="05040102010807070707" pitchFamily="18" charset="2"/>
+              <a:buChar char=""/>
+              <a:defRPr sz="1400" kern="1200" cap="none">
+                <a:solidFill>
+                  <a:schemeClr val="bg2">
+                    <a:lumMod val="75000"/>
+                  </a:schemeClr>
+                </a:solidFill>
+                <a:effectLst/>
+                <a:latin typeface="+mn-lt"/>
+                <a:ea typeface="+mn-ea"/>
+                <a:cs typeface="+mn-cs"/>
+              </a:defRPr>
+            </a:lvl6pPr>
+            <a:lvl7pPr marL="2971800" indent="-228600" algn="l" defTabSz="457200" rtl="0" eaLnBrk="1" latinLnBrk="0" hangingPunct="1">
+              <a:spcBef>
+                <a:spcPct val="20000"/>
+              </a:spcBef>
+              <a:spcAft>
+                <a:spcPts val="600"/>
+              </a:spcAft>
+              <a:buClr>
+                <a:schemeClr val="tx1"/>
+              </a:buClr>
+              <a:buSzPct val="80000"/>
+              <a:buFont typeface="Wingdings 3" panose="05040102010807070707" pitchFamily="18" charset="2"/>
+              <a:buChar char=""/>
+              <a:defRPr sz="1400" kern="1200" cap="none">
+                <a:solidFill>
+                  <a:schemeClr val="bg2">
+                    <a:lumMod val="75000"/>
+                  </a:schemeClr>
+                </a:solidFill>
+                <a:effectLst/>
+                <a:latin typeface="+mn-lt"/>
+                <a:ea typeface="+mn-ea"/>
+                <a:cs typeface="+mn-cs"/>
+              </a:defRPr>
+            </a:lvl7pPr>
+            <a:lvl8pPr marL="3429000" indent="-228600" algn="l" defTabSz="457200" rtl="0" eaLnBrk="1" latinLnBrk="0" hangingPunct="1">
+              <a:spcBef>
+                <a:spcPct val="20000"/>
+              </a:spcBef>
+              <a:spcAft>
+                <a:spcPts val="600"/>
+              </a:spcAft>
+              <a:buClr>
+                <a:schemeClr val="tx1"/>
+              </a:buClr>
+              <a:buSzPct val="80000"/>
+              <a:buFont typeface="Wingdings 3" panose="05040102010807070707" pitchFamily="18" charset="2"/>
+              <a:buChar char=""/>
+              <a:defRPr sz="1400" kern="1200" cap="none">
+                <a:solidFill>
+                  <a:schemeClr val="bg2">
+                    <a:lumMod val="75000"/>
+                  </a:schemeClr>
+                </a:solidFill>
+                <a:effectLst/>
+                <a:latin typeface="+mn-lt"/>
+                <a:ea typeface="+mn-ea"/>
+                <a:cs typeface="+mn-cs"/>
+              </a:defRPr>
+            </a:lvl8pPr>
+            <a:lvl9pPr marL="3886200" indent="-228600" algn="l" defTabSz="457200" rtl="0" eaLnBrk="1" latinLnBrk="0" hangingPunct="1">
+              <a:spcBef>
+                <a:spcPct val="20000"/>
+              </a:spcBef>
+              <a:spcAft>
+                <a:spcPts val="600"/>
+              </a:spcAft>
+              <a:buClr>
+                <a:schemeClr val="tx1"/>
+              </a:buClr>
+              <a:buSzPct val="80000"/>
+              <a:buFont typeface="Wingdings 3" panose="05040102010807070707" pitchFamily="18" charset="2"/>
+              <a:buChar char=""/>
+              <a:defRPr sz="1400" kern="1200" cap="none">
+                <a:solidFill>
+                  <a:schemeClr val="bg2">
+                    <a:lumMod val="75000"/>
+                  </a:schemeClr>
+                </a:solidFill>
+                <a:effectLst/>
+                <a:latin typeface="+mn-lt"/>
+                <a:ea typeface="+mn-ea"/>
+                <a:cs typeface="+mn-cs"/>
+              </a:defRPr>
+            </a:lvl9pPr>
+          </a:lstStyle>
+          <a:p>
+            <a:pPr marL="0" indent="0">
+              <a:buFont typeface="Wingdings 3" panose="05040102010807070707" pitchFamily="18" charset="2"/>
+              <a:buNone/>
+            </a:pPr>
+            <a:r>
+              <a:rPr lang="en-US" sz="2800"/>
+              <a:t>Submit a session!</a:t>
+            </a:r>
+            <a:endParaRPr lang="en-US" sz="2200"/>
+          </a:p>
+          <a:p>
+            <a:pPr marL="0" indent="0">
+              <a:buFont typeface="Wingdings 3" panose="05040102010807070707" pitchFamily="18" charset="2"/>
+              <a:buNone/>
+            </a:pPr>
+            <a:endParaRPr lang="en-US" sz="2200" dirty="0"/>
+          </a:p>
+        </p:txBody>
+      </p:sp>
+      <p:pic>
+        <p:nvPicPr>
+          <p:cNvPr id="11" name="Picture 10">
+            <a:extLst>
+              <a:ext uri="{FF2B5EF4-FFF2-40B4-BE49-F238E27FC236}">
+                <a16:creationId xmlns:a16="http://schemas.microsoft.com/office/drawing/2014/main" id="{A5FCA680-9F6F-42D3-99C6-2E92317DC842}"/>
+              </a:ext>
+            </a:extLst>
+          </p:cNvPr>
+          <p:cNvPicPr>
+            <a:picLocks noChangeAspect="1"/>
+          </p:cNvPicPr>
+          <p:nvPr/>
+        </p:nvPicPr>
+        <p:blipFill>
+          <a:blip r:embed="rId5"/>
+          <a:stretch>
+            <a:fillRect/>
+          </a:stretch>
+        </p:blipFill>
+        <p:spPr>
+          <a:xfrm>
+            <a:off x="4151995" y="1893030"/>
+            <a:ext cx="2559166" cy="2530303"/>
+          </a:xfrm>
+          <a:prstGeom prst="rect">
+            <a:avLst/>
+          </a:prstGeom>
+        </p:spPr>
+      </p:pic>
     </p:spTree>
     <p:extLst>
       <p:ext uri="{BB962C8B-B14F-4D97-AF65-F5344CB8AC3E}">
-        <p14:creationId xmlns:p14="http://schemas.microsoft.com/office/powerpoint/2010/main" val="2131834310"/>
+        <p14:creationId xmlns:p14="http://schemas.microsoft.com/office/powerpoint/2010/main" val="3884308066"/>
       </p:ext>
     </p:extLst>
   </p:cSld>
@@ -21983,282 +22678,99 @@
           </a:xfrm>
         </p:spPr>
         <p:txBody>
-          <a:bodyPr anchor="ctr">
-            <a:normAutofit/>
-          </a:bodyPr>
+          <a:bodyPr/>
           <a:lstStyle/>
           <a:p>
             <a:r>
               <a:rPr lang="en-US" dirty="0"/>
-              <a:t>How we communicated</a:t>
+              <a:t>SQL Memory</a:t>
             </a:r>
           </a:p>
         </p:txBody>
       </p:sp>
-      <p:pic>
-        <p:nvPicPr>
-          <p:cNvPr id="3" name="Content Placeholder 2">
-            <a:extLst>
-              <a:ext uri="{FF2B5EF4-FFF2-40B4-BE49-F238E27FC236}">
-                <a16:creationId xmlns:a16="http://schemas.microsoft.com/office/drawing/2014/main" id="{E053CFEF-1084-4990-A260-D362585F0843}"/>
-              </a:ext>
-            </a:extLst>
-          </p:cNvPr>
-          <p:cNvPicPr>
-            <a:picLocks noGrp="1" noChangeAspect="1"/>
-          </p:cNvPicPr>
+      <p:sp>
+        <p:nvSpPr>
+          <p:cNvPr id="13" name="Content Placeholder 12"/>
+          <p:cNvSpPr>
+            <a:spLocks noGrp="1"/>
+          </p:cNvSpPr>
           <p:nvPr>
-            <p:ph sz="half" idx="1"/>
+            <p:ph idx="4294967295"/>
           </p:nvPr>
-        </p:nvPicPr>
-        <p:blipFill>
-          <a:blip r:embed="rId3"/>
-          <a:stretch>
-            <a:fillRect/>
-          </a:stretch>
-        </p:blipFill>
-        <p:spPr>
-          <a:xfrm>
-            <a:off x="995362" y="1309687"/>
-            <a:ext cx="10201275" cy="4695825"/>
-          </a:xfrm>
-        </p:spPr>
-      </p:pic>
-      <p:pic>
-        <p:nvPicPr>
-          <p:cNvPr id="5" name="Picture 4">
-            <a:extLst>
-              <a:ext uri="{FF2B5EF4-FFF2-40B4-BE49-F238E27FC236}">
-                <a16:creationId xmlns:a16="http://schemas.microsoft.com/office/drawing/2014/main" id="{654EE24C-5E4F-426D-9F11-6AF8F32B7E7A}"/>
-              </a:ext>
-            </a:extLst>
-          </p:cNvPr>
-          <p:cNvPicPr>
-            <a:picLocks noChangeAspect="1"/>
-          </p:cNvPicPr>
-          <p:nvPr/>
-        </p:nvPicPr>
-        <p:blipFill>
-          <a:blip r:embed="rId4"/>
-          <a:stretch>
-            <a:fillRect/>
-          </a:stretch>
-        </p:blipFill>
-        <p:spPr>
-          <a:xfrm>
-            <a:off x="995361" y="1309687"/>
-            <a:ext cx="10201275" cy="5172075"/>
-          </a:xfrm>
-          <a:prstGeom prst="rect">
-            <a:avLst/>
-          </a:prstGeom>
-        </p:spPr>
-      </p:pic>
-      <p:pic>
-        <p:nvPicPr>
-          <p:cNvPr id="7" name="Picture 6">
-            <a:extLst>
-              <a:ext uri="{FF2B5EF4-FFF2-40B4-BE49-F238E27FC236}">
-                <a16:creationId xmlns:a16="http://schemas.microsoft.com/office/drawing/2014/main" id="{C64D23E0-3A81-4A7A-9A9C-01ABCDB4E6B2}"/>
-              </a:ext>
-            </a:extLst>
-          </p:cNvPr>
-          <p:cNvPicPr>
-            <a:picLocks noChangeAspect="1"/>
-          </p:cNvPicPr>
-          <p:nvPr/>
-        </p:nvPicPr>
-        <p:blipFill>
-          <a:blip r:embed="rId5"/>
-          <a:stretch>
-            <a:fillRect/>
-          </a:stretch>
-        </p:blipFill>
-        <p:spPr>
-          <a:xfrm>
-            <a:off x="995362" y="1309687"/>
-            <a:ext cx="10201273" cy="5519612"/>
-          </a:xfrm>
-          <a:prstGeom prst="rect">
-            <a:avLst/>
-          </a:prstGeom>
-        </p:spPr>
-      </p:pic>
+        </p:nvSpPr>
+        <p:spPr>
+          <a:xfrm>
+            <a:off x="609600" y="1788514"/>
+            <a:ext cx="9562689" cy="4269386"/>
+          </a:xfrm>
+          <a:prstGeom prst="rect">
+            <a:avLst/>
+          </a:prstGeom>
+        </p:spPr>
+        <p:txBody>
+          <a:bodyPr/>
+          <a:lstStyle/>
+          <a:p>
+            <a:r>
+              <a:rPr lang="en-US" dirty="0"/>
+              <a:t>WID defaults to ‘unlimited’ SQL memory</a:t>
+            </a:r>
+          </a:p>
+          <a:p>
+            <a:pPr lvl="1"/>
+            <a:r>
+              <a:rPr lang="en-US" dirty="0"/>
+              <a:t>Maybe not a big deal if this is a dedicated WSUS box</a:t>
+            </a:r>
+          </a:p>
+          <a:p>
+            <a:r>
+              <a:rPr lang="en-US" dirty="0"/>
+              <a:t>Shared SQL instance?</a:t>
+            </a:r>
+          </a:p>
+          <a:p>
+            <a:pPr lvl="1"/>
+            <a:r>
+              <a:rPr lang="en-US" dirty="0"/>
+              <a:t>If SUSDB and CM_&lt;</a:t>
+            </a:r>
+            <a:r>
+              <a:rPr lang="en-US" dirty="0" err="1"/>
+              <a:t>SiteCode</a:t>
+            </a:r>
+            <a:r>
+              <a:rPr lang="en-US" dirty="0"/>
+              <a:t>&gt; are on the same instance they are sharing a memory pool</a:t>
+            </a:r>
+          </a:p>
+          <a:p>
+            <a:r>
+              <a:rPr lang="en-US" dirty="0"/>
+              <a:t>Low memory allocation can cause timeouts when querying WSUS</a:t>
+            </a:r>
+          </a:p>
+          <a:p>
+            <a:r>
+              <a:rPr lang="en-US"/>
+              <a:t>We had to drop this to 1gb to make things break 😁</a:t>
+            </a:r>
+          </a:p>
+          <a:p>
+            <a:endParaRPr lang="en-US" dirty="0"/>
+          </a:p>
+        </p:txBody>
+      </p:sp>
     </p:spTree>
     <p:extLst>
       <p:ext uri="{BB962C8B-B14F-4D97-AF65-F5344CB8AC3E}">
-        <p14:creationId xmlns:p14="http://schemas.microsoft.com/office/powerpoint/2010/main" val="2734684772"/>
+        <p14:creationId xmlns:p14="http://schemas.microsoft.com/office/powerpoint/2010/main" val="2333710554"/>
       </p:ext>
     </p:extLst>
   </p:cSld>
   <p:clrMapOvr>
     <a:masterClrMapping/>
   </p:clrMapOvr>
-  <p:timing>
-    <p:tnLst>
-      <p:par>
-        <p:cTn id="1" dur="indefinite" restart="never" nodeType="tmRoot">
-          <p:childTnLst>
-            <p:seq concurrent="1" nextAc="seek">
-              <p:cTn id="2" dur="indefinite" nodeType="mainSeq">
-                <p:childTnLst>
-                  <p:par>
-                    <p:cTn id="3" fill="hold">
-                      <p:stCondLst>
-                        <p:cond delay="indefinite"/>
-                      </p:stCondLst>
-                      <p:childTnLst>
-                        <p:par>
-                          <p:cTn id="4" fill="hold">
-                            <p:stCondLst>
-                              <p:cond delay="0"/>
-                            </p:stCondLst>
-                            <p:childTnLst>
-                              <p:par>
-                                <p:cTn id="5" presetID="1" presetClass="entr" presetSubtype="0" fill="hold" nodeType="clickEffect">
-                                  <p:stCondLst>
-                                    <p:cond delay="0"/>
-                                  </p:stCondLst>
-                                  <p:childTnLst>
-                                    <p:set>
-                                      <p:cBhvr>
-                                        <p:cTn id="6" dur="1" fill="hold">
-                                          <p:stCondLst>
-                                            <p:cond delay="0"/>
-                                          </p:stCondLst>
-                                        </p:cTn>
-                                        <p:tgtEl>
-                                          <p:spTgt spid="3"/>
-                                        </p:tgtEl>
-                                        <p:attrNameLst>
-                                          <p:attrName>style.visibility</p:attrName>
-                                        </p:attrNameLst>
-                                      </p:cBhvr>
-                                      <p:to>
-                                        <p:strVal val="visible"/>
-                                      </p:to>
-                                    </p:set>
-                                  </p:childTnLst>
-                                </p:cTn>
-                              </p:par>
-                            </p:childTnLst>
-                          </p:cTn>
-                        </p:par>
-                      </p:childTnLst>
-                    </p:cTn>
-                  </p:par>
-                  <p:par>
-                    <p:cTn id="7" fill="hold">
-                      <p:stCondLst>
-                        <p:cond delay="indefinite"/>
-                      </p:stCondLst>
-                      <p:childTnLst>
-                        <p:par>
-                          <p:cTn id="8" fill="hold">
-                            <p:stCondLst>
-                              <p:cond delay="0"/>
-                            </p:stCondLst>
-                            <p:childTnLst>
-                              <p:par>
-                                <p:cTn id="9" presetID="1" presetClass="entr" presetSubtype="0" fill="hold" nodeType="clickEffect">
-                                  <p:stCondLst>
-                                    <p:cond delay="0"/>
-                                  </p:stCondLst>
-                                  <p:childTnLst>
-                                    <p:set>
-                                      <p:cBhvr>
-                                        <p:cTn id="10" dur="1" fill="hold">
-                                          <p:stCondLst>
-                                            <p:cond delay="0"/>
-                                          </p:stCondLst>
-                                        </p:cTn>
-                                        <p:tgtEl>
-                                          <p:spTgt spid="5"/>
-                                        </p:tgtEl>
-                                        <p:attrNameLst>
-                                          <p:attrName>style.visibility</p:attrName>
-                                        </p:attrNameLst>
-                                      </p:cBhvr>
-                                      <p:to>
-                                        <p:strVal val="visible"/>
-                                      </p:to>
-                                    </p:set>
-                                  </p:childTnLst>
-                                </p:cTn>
-                              </p:par>
-                            </p:childTnLst>
-                          </p:cTn>
-                        </p:par>
-                      </p:childTnLst>
-                    </p:cTn>
-                  </p:par>
-                  <p:par>
-                    <p:cTn id="11" fill="hold">
-                      <p:stCondLst>
-                        <p:cond delay="indefinite"/>
-                      </p:stCondLst>
-                      <p:childTnLst>
-                        <p:par>
-                          <p:cTn id="12" fill="hold">
-                            <p:stCondLst>
-                              <p:cond delay="0"/>
-                            </p:stCondLst>
-                            <p:childTnLst>
-                              <p:par>
-                                <p:cTn id="13" presetID="1" presetClass="entr" presetSubtype="0" fill="hold" nodeType="clickEffect">
-                                  <p:stCondLst>
-                                    <p:cond delay="0"/>
-                                  </p:stCondLst>
-                                  <p:childTnLst>
-                                    <p:set>
-                                      <p:cBhvr>
-                                        <p:cTn id="14" dur="1" fill="hold">
-                                          <p:stCondLst>
-                                            <p:cond delay="0"/>
-                                          </p:stCondLst>
-                                        </p:cTn>
-                                        <p:tgtEl>
-                                          <p:spTgt spid="7"/>
-                                        </p:tgtEl>
-                                        <p:attrNameLst>
-                                          <p:attrName>style.visibility</p:attrName>
-                                        </p:attrNameLst>
-                                      </p:cBhvr>
-                                      <p:to>
-                                        <p:strVal val="visible"/>
-                                      </p:to>
-                                    </p:set>
-                                  </p:childTnLst>
-                                </p:cTn>
-                              </p:par>
-                            </p:childTnLst>
-                          </p:cTn>
-                        </p:par>
-                      </p:childTnLst>
-                    </p:cTn>
-                  </p:par>
-                </p:childTnLst>
-              </p:cTn>
-              <p:prevCondLst>
-                <p:cond evt="onPrev" delay="0">
-                  <p:tgtEl>
-                    <p:sldTgt/>
-                  </p:tgtEl>
-                </p:cond>
-              </p:prevCondLst>
-              <p:nextCondLst>
-                <p:cond evt="onNext" delay="0">
-                  <p:tgtEl>
-                    <p:sldTgt/>
-                  </p:tgtEl>
-                </p:cond>
-              </p:nextCondLst>
-            </p:seq>
-          </p:childTnLst>
-        </p:cTn>
-      </p:par>
-    </p:tnLst>
-  </p:timing>
 </p:sld>
 </file>
 
